--- a/Final Project/Shortly about project.pptx
+++ b/Final Project/Shortly about project.pptx
@@ -10,9 +10,11 @@
     <p:sldId id="259" r:id="rId4"/>
     <p:sldId id="258" r:id="rId5"/>
     <p:sldId id="260" r:id="rId6"/>
-    <p:sldId id="261" r:id="rId7"/>
-    <p:sldId id="262" r:id="rId8"/>
-    <p:sldId id="263" r:id="rId9"/>
+    <p:sldId id="263" r:id="rId7"/>
+    <p:sldId id="264" r:id="rId8"/>
+    <p:sldId id="261" r:id="rId9"/>
+    <p:sldId id="262" r:id="rId10"/>
+    <p:sldId id="265" r:id="rId11"/>
   </p:sldIdLst>
   <p:sldSz cx="9144000" cy="6858000" type="screen4x3"/>
   <p:notesSz cx="6858000" cy="9144000"/>
@@ -121,9 +123,11 @@
             <p14:sldId id="259"/>
             <p14:sldId id="258"/>
             <p14:sldId id="260"/>
+            <p14:sldId id="263"/>
+            <p14:sldId id="264"/>
             <p14:sldId id="261"/>
             <p14:sldId id="262"/>
-            <p14:sldId id="263"/>
+            <p14:sldId id="265"/>
           </p14:sldIdLst>
         </p14:section>
       </p14:sectionLst>
@@ -313,7 +317,7 @@
           <a:p>
             <a:fld id="{9645A453-BED6-4EFE-ADB1-FEC77425CCCD}" type="datetimeFigureOut">
               <a:rPr lang="ru-RU" smtClean="0"/>
-              <a:t>11.02.2022</a:t>
+              <a:t>12.02.2022</a:t>
             </a:fld>
             <a:endParaRPr lang="ru-RU"/>
           </a:p>
@@ -483,7 +487,7 @@
           <a:p>
             <a:fld id="{9645A453-BED6-4EFE-ADB1-FEC77425CCCD}" type="datetimeFigureOut">
               <a:rPr lang="ru-RU" smtClean="0"/>
-              <a:t>11.02.2022</a:t>
+              <a:t>12.02.2022</a:t>
             </a:fld>
             <a:endParaRPr lang="ru-RU"/>
           </a:p>
@@ -663,7 +667,7 @@
           <a:p>
             <a:fld id="{9645A453-BED6-4EFE-ADB1-FEC77425CCCD}" type="datetimeFigureOut">
               <a:rPr lang="ru-RU" smtClean="0"/>
-              <a:t>11.02.2022</a:t>
+              <a:t>12.02.2022</a:t>
             </a:fld>
             <a:endParaRPr lang="ru-RU"/>
           </a:p>
@@ -833,7 +837,7 @@
           <a:p>
             <a:fld id="{9645A453-BED6-4EFE-ADB1-FEC77425CCCD}" type="datetimeFigureOut">
               <a:rPr lang="ru-RU" smtClean="0"/>
-              <a:t>11.02.2022</a:t>
+              <a:t>12.02.2022</a:t>
             </a:fld>
             <a:endParaRPr lang="ru-RU"/>
           </a:p>
@@ -1079,7 +1083,7 @@
           <a:p>
             <a:fld id="{9645A453-BED6-4EFE-ADB1-FEC77425CCCD}" type="datetimeFigureOut">
               <a:rPr lang="ru-RU" smtClean="0"/>
-              <a:t>11.02.2022</a:t>
+              <a:t>12.02.2022</a:t>
             </a:fld>
             <a:endParaRPr lang="ru-RU"/>
           </a:p>
@@ -1367,7 +1371,7 @@
           <a:p>
             <a:fld id="{9645A453-BED6-4EFE-ADB1-FEC77425CCCD}" type="datetimeFigureOut">
               <a:rPr lang="ru-RU" smtClean="0"/>
-              <a:t>11.02.2022</a:t>
+              <a:t>12.02.2022</a:t>
             </a:fld>
             <a:endParaRPr lang="ru-RU"/>
           </a:p>
@@ -1789,7 +1793,7 @@
           <a:p>
             <a:fld id="{9645A453-BED6-4EFE-ADB1-FEC77425CCCD}" type="datetimeFigureOut">
               <a:rPr lang="ru-RU" smtClean="0"/>
-              <a:t>11.02.2022</a:t>
+              <a:t>12.02.2022</a:t>
             </a:fld>
             <a:endParaRPr lang="ru-RU"/>
           </a:p>
@@ -1907,7 +1911,7 @@
           <a:p>
             <a:fld id="{9645A453-BED6-4EFE-ADB1-FEC77425CCCD}" type="datetimeFigureOut">
               <a:rPr lang="ru-RU" smtClean="0"/>
-              <a:t>11.02.2022</a:t>
+              <a:t>12.02.2022</a:t>
             </a:fld>
             <a:endParaRPr lang="ru-RU"/>
           </a:p>
@@ -2002,7 +2006,7 @@
           <a:p>
             <a:fld id="{9645A453-BED6-4EFE-ADB1-FEC77425CCCD}" type="datetimeFigureOut">
               <a:rPr lang="ru-RU" smtClean="0"/>
-              <a:t>11.02.2022</a:t>
+              <a:t>12.02.2022</a:t>
             </a:fld>
             <a:endParaRPr lang="ru-RU"/>
           </a:p>
@@ -2279,7 +2283,7 @@
           <a:p>
             <a:fld id="{9645A453-BED6-4EFE-ADB1-FEC77425CCCD}" type="datetimeFigureOut">
               <a:rPr lang="ru-RU" smtClean="0"/>
-              <a:t>11.02.2022</a:t>
+              <a:t>12.02.2022</a:t>
             </a:fld>
             <a:endParaRPr lang="ru-RU"/>
           </a:p>
@@ -2532,7 +2536,7 @@
           <a:p>
             <a:fld id="{9645A453-BED6-4EFE-ADB1-FEC77425CCCD}" type="datetimeFigureOut">
               <a:rPr lang="ru-RU" smtClean="0"/>
-              <a:t>11.02.2022</a:t>
+              <a:t>12.02.2022</a:t>
             </a:fld>
             <a:endParaRPr lang="ru-RU"/>
           </a:p>
@@ -2745,7 +2749,7 @@
           <a:p>
             <a:fld id="{9645A453-BED6-4EFE-ADB1-FEC77425CCCD}" type="datetimeFigureOut">
               <a:rPr lang="ru-RU" smtClean="0"/>
-              <a:t>11.02.2022</a:t>
+              <a:t>12.02.2022</a:t>
             </a:fld>
             <a:endParaRPr lang="ru-RU"/>
           </a:p>
@@ -3279,6 +3283,71 @@
   <p:clrMapOvr>
     <a:masterClrMapping/>
   </p:clrMapOvr>
+  <p:timing>
+    <p:tnLst>
+      <p:par>
+        <p:cTn id="1" dur="indefinite" restart="never" nodeType="tmRoot"/>
+      </p:par>
+    </p:tnLst>
+  </p:timing>
+</p:sld>
+</file>
+
+<file path=ppt/slides/slide10.xml><?xml version="1.0" encoding="utf-8"?>
+<p:sld xmlns:a="http://schemas.openxmlformats.org/drawingml/2006/main" xmlns:r="http://schemas.openxmlformats.org/officeDocument/2006/relationships" xmlns:p="http://schemas.openxmlformats.org/presentationml/2006/main">
+  <p:cSld>
+    <p:spTree>
+      <p:nvGrpSpPr>
+        <p:cNvPr id="1" name=""/>
+        <p:cNvGrpSpPr/>
+        <p:nvPr/>
+      </p:nvGrpSpPr>
+      <p:grpSpPr>
+        <a:xfrm>
+          <a:off x="0" y="0"/>
+          <a:ext cx="0" cy="0"/>
+          <a:chOff x="0" y="0"/>
+          <a:chExt cx="0" cy="0"/>
+        </a:xfrm>
+      </p:grpSpPr>
+      <p:sp>
+        <p:nvSpPr>
+          <p:cNvPr id="2" name="Заголовок 1"/>
+          <p:cNvSpPr>
+            <a:spLocks noGrp="1"/>
+          </p:cNvSpPr>
+          <p:nvPr>
+            <p:ph type="title"/>
+          </p:nvPr>
+        </p:nvSpPr>
+        <p:spPr>
+          <a:xfrm>
+            <a:off x="539552" y="2852936"/>
+            <a:ext cx="8229600" cy="1143000"/>
+          </a:xfrm>
+        </p:spPr>
+        <p:txBody>
+          <a:bodyPr/>
+          <a:lstStyle/>
+          <a:p>
+            <a:r>
+              <a:rPr lang="en-US" dirty="0" smtClean="0"/>
+              <a:t>Q &amp; A</a:t>
+            </a:r>
+            <a:endParaRPr lang="ru-RU" dirty="0"/>
+          </a:p>
+        </p:txBody>
+      </p:sp>
+    </p:spTree>
+    <p:extLst>
+      <p:ext uri="{BB962C8B-B14F-4D97-AF65-F5344CB8AC3E}">
+        <p14:creationId xmlns:p14="http://schemas.microsoft.com/office/powerpoint/2010/main" val="4094737162"/>
+      </p:ext>
+    </p:extLst>
+  </p:cSld>
+  <p:clrMapOvr>
+    <a:masterClrMapping/>
+  </p:clrMapOvr>
 </p:sld>
 </file>
 
@@ -3388,6 +3457,13 @@
   <p:clrMapOvr>
     <a:masterClrMapping/>
   </p:clrMapOvr>
+  <p:timing>
+    <p:tnLst>
+      <p:par>
+        <p:cTn id="1" dur="indefinite" restart="never" nodeType="tmRoot"/>
+      </p:par>
+    </p:tnLst>
+  </p:timing>
 </p:sld>
 </file>
 
@@ -3490,6 +3566,13 @@
   <p:clrMapOvr>
     <a:masterClrMapping/>
   </p:clrMapOvr>
+  <p:timing>
+    <p:tnLst>
+      <p:par>
+        <p:cTn id="1" dur="indefinite" restart="never" nodeType="tmRoot"/>
+      </p:par>
+    </p:tnLst>
+  </p:timing>
 </p:sld>
 </file>
 
@@ -3609,11 +3692,7 @@
             </a:pPr>
             <a:r>
               <a:rPr lang="en-US" dirty="0" smtClean="0"/>
-              <a:t>                          - </a:t>
-            </a:r>
-            <a:r>
-              <a:rPr lang="en-US" dirty="0" smtClean="0"/>
-              <a:t>Docker:</a:t>
+              <a:t>                          - Docker:</a:t>
             </a:r>
           </a:p>
           <a:p>
@@ -3667,6 +3746,13 @@
   <p:clrMapOvr>
     <a:masterClrMapping/>
   </p:clrMapOvr>
+  <p:timing>
+    <p:tnLst>
+      <p:par>
+        <p:cTn id="1" dur="indefinite" restart="never" nodeType="tmRoot"/>
+      </p:par>
+    </p:tnLst>
+  </p:timing>
 </p:sld>
 </file>
 
@@ -3712,15 +3798,13 @@
       </p:sp>
       <p:pic>
         <p:nvPicPr>
-          <p:cNvPr id="9" name="Picture 4"/>
+          <p:cNvPr id="2050" name="Picture 2"/>
           <p:cNvPicPr>
-            <a:picLocks noGrp="1" noChangeAspect="1" noChangeArrowheads="1"/>
+            <a:picLocks noChangeAspect="1" noChangeArrowheads="1"/>
           </p:cNvPicPr>
-          <p:nvPr>
-            <p:ph idx="1"/>
-          </p:nvPr>
+          <p:nvPr/>
         </p:nvPicPr>
-        <p:blipFill>
+        <p:blipFill rotWithShape="1">
           <a:blip r:embed="rId2">
             <a:extLst>
               <a:ext uri="{28A0092B-C50C-407E-A947-70E740481C1C}">
@@ -3728,15 +3812,13 @@
               </a:ext>
             </a:extLst>
           </a:blip>
-          <a:srcRect/>
-          <a:stretch>
-            <a:fillRect/>
-          </a:stretch>
+          <a:srcRect r="10614"/>
+          <a:stretch/>
         </p:blipFill>
         <p:spPr bwMode="auto">
           <a:xfrm>
-            <a:off x="35496" y="1556792"/>
-            <a:ext cx="9066781" cy="4392488"/>
+            <a:off x="-18592" y="1559331"/>
+            <a:ext cx="9162592" cy="5155511"/>
           </a:xfrm>
           <a:prstGeom prst="rect">
             <a:avLst/>
@@ -3776,10 +3858,238 @@
   <p:clrMapOvr>
     <a:masterClrMapping/>
   </p:clrMapOvr>
+  <p:timing>
+    <p:tnLst>
+      <p:par>
+        <p:cTn id="1" dur="indefinite" restart="never" nodeType="tmRoot"/>
+      </p:par>
+    </p:tnLst>
+  </p:timing>
 </p:sld>
 </file>
 
 <file path=ppt/slides/slide6.xml><?xml version="1.0" encoding="utf-8"?>
+<p:sld xmlns:a="http://schemas.openxmlformats.org/drawingml/2006/main" xmlns:r="http://schemas.openxmlformats.org/officeDocument/2006/relationships" xmlns:p="http://schemas.openxmlformats.org/presentationml/2006/main">
+  <p:cSld>
+    <p:spTree>
+      <p:nvGrpSpPr>
+        <p:cNvPr id="1" name=""/>
+        <p:cNvGrpSpPr/>
+        <p:nvPr/>
+      </p:nvGrpSpPr>
+      <p:grpSpPr>
+        <a:xfrm>
+          <a:off x="0" y="0"/>
+          <a:ext cx="0" cy="0"/>
+          <a:chOff x="0" y="0"/>
+          <a:chExt cx="0" cy="0"/>
+        </a:xfrm>
+      </p:grpSpPr>
+      <p:sp>
+        <p:nvSpPr>
+          <p:cNvPr id="2" name="Заголовок 1"/>
+          <p:cNvSpPr>
+            <a:spLocks noGrp="1"/>
+          </p:cNvSpPr>
+          <p:nvPr>
+            <p:ph type="title"/>
+          </p:nvPr>
+        </p:nvSpPr>
+        <p:spPr/>
+        <p:txBody>
+          <a:bodyPr/>
+          <a:lstStyle/>
+          <a:p>
+            <a:r>
+              <a:rPr lang="en-US" i="1" dirty="0" smtClean="0"/>
+              <a:t>CI (</a:t>
+            </a:r>
+            <a:r>
+              <a:rPr lang="en-US" i="1" dirty="0"/>
+              <a:t>continuous integration</a:t>
+            </a:r>
+            <a:r>
+              <a:rPr lang="en-US" i="1" dirty="0" smtClean="0"/>
+              <a:t>) process</a:t>
+            </a:r>
+            <a:endParaRPr lang="ru-RU" i="1" dirty="0"/>
+          </a:p>
+        </p:txBody>
+      </p:sp>
+      <p:sp>
+        <p:nvSpPr>
+          <p:cNvPr id="3" name="Объект 2"/>
+          <p:cNvSpPr>
+            <a:spLocks noGrp="1"/>
+          </p:cNvSpPr>
+          <p:nvPr>
+            <p:ph idx="1"/>
+          </p:nvPr>
+        </p:nvSpPr>
+        <p:spPr/>
+        <p:txBody>
+          <a:bodyPr/>
+          <a:lstStyle/>
+          <a:p>
+            <a:r>
+              <a:rPr lang="en-US" dirty="0"/>
+              <a:t>The developer pushes the code to </a:t>
+            </a:r>
+            <a:r>
+              <a:rPr lang="en-US" dirty="0" err="1"/>
+              <a:t>Git</a:t>
+            </a:r>
+            <a:r>
+              <a:rPr lang="en-US" dirty="0"/>
+              <a:t> HUB.</a:t>
+            </a:r>
+          </a:p>
+          <a:p>
+            <a:r>
+              <a:rPr lang="en-US" dirty="0"/>
+              <a:t>Jenkins job sends a request to GIT HUB 1 time per minute. When it sees the changes in the repository, the pipeline will start.</a:t>
+            </a:r>
+          </a:p>
+          <a:p>
+            <a:r>
+              <a:rPr lang="en-US" dirty="0"/>
+              <a:t>The job starts a Docker container with Maven that builds and tests the project.</a:t>
+            </a:r>
+          </a:p>
+          <a:p>
+            <a:r>
+              <a:rPr lang="en-US" dirty="0"/>
+              <a:t>The result of the CI process is ARTIFACT.</a:t>
+            </a:r>
+            <a:endParaRPr lang="ru-RU" dirty="0"/>
+          </a:p>
+        </p:txBody>
+      </p:sp>
+    </p:spTree>
+    <p:extLst>
+      <p:ext uri="{BB962C8B-B14F-4D97-AF65-F5344CB8AC3E}">
+        <p14:creationId xmlns:p14="http://schemas.microsoft.com/office/powerpoint/2010/main" val="3556005886"/>
+      </p:ext>
+    </p:extLst>
+  </p:cSld>
+  <p:clrMapOvr>
+    <a:masterClrMapping/>
+  </p:clrMapOvr>
+  <p:timing>
+    <p:tnLst>
+      <p:par>
+        <p:cTn id="1" dur="indefinite" restart="never" nodeType="tmRoot"/>
+      </p:par>
+    </p:tnLst>
+  </p:timing>
+</p:sld>
+</file>
+
+<file path=ppt/slides/slide7.xml><?xml version="1.0" encoding="utf-8"?>
+<p:sld xmlns:a="http://schemas.openxmlformats.org/drawingml/2006/main" xmlns:r="http://schemas.openxmlformats.org/officeDocument/2006/relationships" xmlns:p="http://schemas.openxmlformats.org/presentationml/2006/main">
+  <p:cSld>
+    <p:spTree>
+      <p:nvGrpSpPr>
+        <p:cNvPr id="1" name=""/>
+        <p:cNvGrpSpPr/>
+        <p:nvPr/>
+      </p:nvGrpSpPr>
+      <p:grpSpPr>
+        <a:xfrm>
+          <a:off x="0" y="0"/>
+          <a:ext cx="0" cy="0"/>
+          <a:chOff x="0" y="0"/>
+          <a:chExt cx="0" cy="0"/>
+        </a:xfrm>
+      </p:grpSpPr>
+      <p:sp>
+        <p:nvSpPr>
+          <p:cNvPr id="2" name="Заголовок 1"/>
+          <p:cNvSpPr>
+            <a:spLocks noGrp="1"/>
+          </p:cNvSpPr>
+          <p:nvPr>
+            <p:ph type="title"/>
+          </p:nvPr>
+        </p:nvSpPr>
+        <p:spPr/>
+        <p:txBody>
+          <a:bodyPr/>
+          <a:lstStyle/>
+          <a:p>
+            <a:r>
+              <a:rPr lang="en-US" dirty="0" smtClean="0"/>
+              <a:t>CD (</a:t>
+            </a:r>
+            <a:r>
+              <a:rPr lang="en-US" i="1" dirty="0"/>
+              <a:t>continuous delivery</a:t>
+            </a:r>
+            <a:r>
+              <a:rPr lang="en-US" dirty="0" smtClean="0"/>
+              <a:t>) process</a:t>
+            </a:r>
+            <a:endParaRPr lang="ru-RU" dirty="0"/>
+          </a:p>
+        </p:txBody>
+      </p:sp>
+      <p:sp>
+        <p:nvSpPr>
+          <p:cNvPr id="3" name="Объект 2"/>
+          <p:cNvSpPr>
+            <a:spLocks noGrp="1"/>
+          </p:cNvSpPr>
+          <p:nvPr>
+            <p:ph idx="1"/>
+          </p:nvPr>
+        </p:nvSpPr>
+        <p:spPr/>
+        <p:txBody>
+          <a:bodyPr/>
+          <a:lstStyle/>
+          <a:p>
+            <a:r>
+              <a:rPr lang="en-US" dirty="0"/>
+              <a:t>In the current pipeline, delivery starts with building the </a:t>
+            </a:r>
+            <a:r>
+              <a:rPr lang="en-US" dirty="0" err="1"/>
+              <a:t>docker</a:t>
+            </a:r>
+            <a:r>
+              <a:rPr lang="en-US" dirty="0"/>
+              <a:t> image.</a:t>
+            </a:r>
+          </a:p>
+          <a:p>
+            <a:r>
+              <a:rPr lang="en-US" dirty="0"/>
+              <a:t>When the image is ready, it is sent to Docker Hub.</a:t>
+            </a:r>
+          </a:p>
+          <a:p>
+            <a:r>
+              <a:rPr lang="en-US" dirty="0"/>
+              <a:t>From Docker Hub, the image can be pushed to the QA environment, to the stage/production server.</a:t>
+            </a:r>
+            <a:endParaRPr lang="ru-RU" dirty="0"/>
+          </a:p>
+        </p:txBody>
+      </p:sp>
+    </p:spTree>
+    <p:extLst>
+      <p:ext uri="{BB962C8B-B14F-4D97-AF65-F5344CB8AC3E}">
+        <p14:creationId xmlns:p14="http://schemas.microsoft.com/office/powerpoint/2010/main" val="1345975833"/>
+      </p:ext>
+    </p:extLst>
+  </p:cSld>
+  <p:clrMapOvr>
+    <a:masterClrMapping/>
+  </p:clrMapOvr>
+</p:sld>
+</file>
+
+<file path=ppt/slides/slide8.xml><?xml version="1.0" encoding="utf-8"?>
 <p:sld xmlns:a="http://schemas.openxmlformats.org/drawingml/2006/main" xmlns:r="http://schemas.openxmlformats.org/officeDocument/2006/relationships" xmlns:p="http://schemas.openxmlformats.org/presentationml/2006/main">
   <p:cSld>
     <p:spTree>
@@ -3968,10 +4278,17 @@
   <p:clrMapOvr>
     <a:masterClrMapping/>
   </p:clrMapOvr>
+  <p:timing>
+    <p:tnLst>
+      <p:par>
+        <p:cTn id="1" dur="indefinite" restart="never" nodeType="tmRoot"/>
+      </p:par>
+    </p:tnLst>
+  </p:timing>
 </p:sld>
 </file>
 
-<file path=ppt/slides/slide7.xml><?xml version="1.0" encoding="utf-8"?>
+<file path=ppt/slides/slide9.xml><?xml version="1.0" encoding="utf-8"?>
 <p:sld xmlns:a="http://schemas.openxmlformats.org/drawingml/2006/main" xmlns:r="http://schemas.openxmlformats.org/officeDocument/2006/relationships" xmlns:p="http://schemas.openxmlformats.org/presentationml/2006/main">
   <p:cSld>
     <p:spTree>
@@ -4067,7 +4384,7 @@
         </p:blipFill>
         <p:spPr bwMode="auto">
           <a:xfrm>
-            <a:off x="106513" y="3212976"/>
+            <a:off x="38472" y="2420888"/>
             <a:ext cx="7768686" cy="2627560"/>
           </a:xfrm>
           <a:prstGeom prst="rect">
@@ -4121,7 +4438,7 @@
         </p:blipFill>
         <p:spPr bwMode="auto">
           <a:xfrm>
-            <a:off x="179506" y="1496802"/>
+            <a:off x="106513" y="312293"/>
             <a:ext cx="6411700" cy="1571407"/>
           </a:xfrm>
           <a:prstGeom prst="rect">
@@ -4175,8 +4492,60 @@
         </p:blipFill>
         <p:spPr bwMode="auto">
           <a:xfrm>
-            <a:off x="4644008" y="312293"/>
+            <a:off x="5220072" y="116632"/>
             <a:ext cx="3483286" cy="2760340"/>
+          </a:xfrm>
+          <a:prstGeom prst="rect">
+            <a:avLst/>
+          </a:prstGeom>
+          <a:noFill/>
+          <a:ln>
+            <a:noFill/>
+          </a:ln>
+          <a:extLst>
+            <a:ext uri="{909E8E84-426E-40DD-AFC4-6F175D3DCCD1}">
+              <a14:hiddenFill xmlns:a14="http://schemas.microsoft.com/office/drawing/2010/main">
+                <a:solidFill>
+                  <a:schemeClr val="accent1"/>
+                </a:solidFill>
+              </a14:hiddenFill>
+            </a:ext>
+            <a:ext uri="{91240B29-F687-4F45-9708-019B960494DF}">
+              <a14:hiddenLine xmlns:a14="http://schemas.microsoft.com/office/drawing/2010/main" w="9525">
+                <a:solidFill>
+                  <a:schemeClr val="tx1"/>
+                </a:solidFill>
+                <a:miter lim="800000"/>
+                <a:headEnd/>
+                <a:tailEnd/>
+              </a14:hiddenLine>
+            </a:ext>
+          </a:extLst>
+        </p:spPr>
+      </p:pic>
+      <p:pic>
+        <p:nvPicPr>
+          <p:cNvPr id="1026" name="Picture 2"/>
+          <p:cNvPicPr>
+            <a:picLocks noChangeAspect="1" noChangeArrowheads="1"/>
+          </p:cNvPicPr>
+          <p:nvPr/>
+        </p:nvPicPr>
+        <p:blipFill rotWithShape="1">
+          <a:blip r:embed="rId6">
+            <a:extLst>
+              <a:ext uri="{28A0092B-C50C-407E-A947-70E740481C1C}">
+                <a14:useLocalDpi xmlns:a14="http://schemas.microsoft.com/office/drawing/2010/main" val="0"/>
+              </a:ext>
+            </a:extLst>
+          </a:blip>
+          <a:srcRect l="-1" r="41819"/>
+          <a:stretch/>
+        </p:blipFill>
+        <p:spPr bwMode="auto">
+          <a:xfrm>
+            <a:off x="4739182" y="2961502"/>
+            <a:ext cx="4293982" cy="2908022"/>
           </a:xfrm>
           <a:prstGeom prst="rect">
             <a:avLst/>
@@ -4216,74 +4585,13 @@
   <p:clrMapOvr>
     <a:masterClrMapping/>
   </p:clrMapOvr>
-</p:sld>
-</file>
-
-<file path=ppt/slides/slide8.xml><?xml version="1.0" encoding="utf-8"?>
-<p:sld xmlns:a="http://schemas.openxmlformats.org/drawingml/2006/main" xmlns:r="http://schemas.openxmlformats.org/officeDocument/2006/relationships" xmlns:p="http://schemas.openxmlformats.org/presentationml/2006/main">
-  <p:cSld>
-    <p:spTree>
-      <p:nvGrpSpPr>
-        <p:cNvPr id="1" name=""/>
-        <p:cNvGrpSpPr/>
-        <p:nvPr/>
-      </p:nvGrpSpPr>
-      <p:grpSpPr>
-        <a:xfrm>
-          <a:off x="0" y="0"/>
-          <a:ext cx="0" cy="0"/>
-          <a:chOff x="0" y="0"/>
-          <a:chExt cx="0" cy="0"/>
-        </a:xfrm>
-      </p:grpSpPr>
-      <p:sp>
-        <p:nvSpPr>
-          <p:cNvPr id="2" name="Заголовок 1"/>
-          <p:cNvSpPr>
-            <a:spLocks noGrp="1"/>
-          </p:cNvSpPr>
-          <p:nvPr>
-            <p:ph type="title"/>
-          </p:nvPr>
-        </p:nvSpPr>
-        <p:spPr/>
-        <p:txBody>
-          <a:bodyPr/>
-          <a:lstStyle/>
-          <a:p>
-            <a:endParaRPr lang="ru-RU"/>
-          </a:p>
-        </p:txBody>
-      </p:sp>
-      <p:sp>
-        <p:nvSpPr>
-          <p:cNvPr id="3" name="Объект 2"/>
-          <p:cNvSpPr>
-            <a:spLocks noGrp="1"/>
-          </p:cNvSpPr>
-          <p:nvPr>
-            <p:ph idx="1"/>
-          </p:nvPr>
-        </p:nvSpPr>
-        <p:spPr/>
-        <p:txBody>
-          <a:bodyPr/>
-          <a:lstStyle/>
-          <a:p>
-            <a:endParaRPr lang="ru-RU"/>
-          </a:p>
-        </p:txBody>
-      </p:sp>
-    </p:spTree>
-    <p:extLst>
-      <p:ext uri="{BB962C8B-B14F-4D97-AF65-F5344CB8AC3E}">
-        <p14:creationId xmlns:p14="http://schemas.microsoft.com/office/powerpoint/2010/main" val="3556005886"/>
-      </p:ext>
-    </p:extLst>
-  </p:cSld>
-  <p:clrMapOvr>
-    <a:masterClrMapping/>
-  </p:clrMapOvr>
+  <p:timing>
+    <p:tnLst>
+      <p:par>
+        <p:cTn id="1" dur="indefinite" restart="never" nodeType="tmRoot"/>
+      </p:par>
+    </p:tnLst>
+  </p:timing>
 </p:sld>
 </file>
 

--- a/Final Project/Shortly about project.pptx
+++ b/Final Project/Shortly about project.pptx
@@ -13,8 +13,9 @@
     <p:sldId id="263" r:id="rId7"/>
     <p:sldId id="264" r:id="rId8"/>
     <p:sldId id="261" r:id="rId9"/>
-    <p:sldId id="262" r:id="rId10"/>
-    <p:sldId id="265" r:id="rId11"/>
+    <p:sldId id="266" r:id="rId10"/>
+    <p:sldId id="262" r:id="rId11"/>
+    <p:sldId id="265" r:id="rId12"/>
   </p:sldIdLst>
   <p:sldSz cx="9144000" cy="6858000" type="screen4x3"/>
   <p:notesSz cx="6858000" cy="9144000"/>
@@ -126,6 +127,7 @@
             <p14:sldId id="263"/>
             <p14:sldId id="264"/>
             <p14:sldId id="261"/>
+            <p14:sldId id="266"/>
             <p14:sldId id="262"/>
             <p14:sldId id="265"/>
           </p14:sldIdLst>
@@ -317,7 +319,7 @@
           <a:p>
             <a:fld id="{9645A453-BED6-4EFE-ADB1-FEC77425CCCD}" type="datetimeFigureOut">
               <a:rPr lang="ru-RU" smtClean="0"/>
-              <a:t>12.02.2022</a:t>
+              <a:t>13.02.2022</a:t>
             </a:fld>
             <a:endParaRPr lang="ru-RU"/>
           </a:p>
@@ -487,7 +489,7 @@
           <a:p>
             <a:fld id="{9645A453-BED6-4EFE-ADB1-FEC77425CCCD}" type="datetimeFigureOut">
               <a:rPr lang="ru-RU" smtClean="0"/>
-              <a:t>12.02.2022</a:t>
+              <a:t>13.02.2022</a:t>
             </a:fld>
             <a:endParaRPr lang="ru-RU"/>
           </a:p>
@@ -667,7 +669,7 @@
           <a:p>
             <a:fld id="{9645A453-BED6-4EFE-ADB1-FEC77425CCCD}" type="datetimeFigureOut">
               <a:rPr lang="ru-RU" smtClean="0"/>
-              <a:t>12.02.2022</a:t>
+              <a:t>13.02.2022</a:t>
             </a:fld>
             <a:endParaRPr lang="ru-RU"/>
           </a:p>
@@ -837,7 +839,7 @@
           <a:p>
             <a:fld id="{9645A453-BED6-4EFE-ADB1-FEC77425CCCD}" type="datetimeFigureOut">
               <a:rPr lang="ru-RU" smtClean="0"/>
-              <a:t>12.02.2022</a:t>
+              <a:t>13.02.2022</a:t>
             </a:fld>
             <a:endParaRPr lang="ru-RU"/>
           </a:p>
@@ -1083,7 +1085,7 @@
           <a:p>
             <a:fld id="{9645A453-BED6-4EFE-ADB1-FEC77425CCCD}" type="datetimeFigureOut">
               <a:rPr lang="ru-RU" smtClean="0"/>
-              <a:t>12.02.2022</a:t>
+              <a:t>13.02.2022</a:t>
             </a:fld>
             <a:endParaRPr lang="ru-RU"/>
           </a:p>
@@ -1371,7 +1373,7 @@
           <a:p>
             <a:fld id="{9645A453-BED6-4EFE-ADB1-FEC77425CCCD}" type="datetimeFigureOut">
               <a:rPr lang="ru-RU" smtClean="0"/>
-              <a:t>12.02.2022</a:t>
+              <a:t>13.02.2022</a:t>
             </a:fld>
             <a:endParaRPr lang="ru-RU"/>
           </a:p>
@@ -1793,7 +1795,7 @@
           <a:p>
             <a:fld id="{9645A453-BED6-4EFE-ADB1-FEC77425CCCD}" type="datetimeFigureOut">
               <a:rPr lang="ru-RU" smtClean="0"/>
-              <a:t>12.02.2022</a:t>
+              <a:t>13.02.2022</a:t>
             </a:fld>
             <a:endParaRPr lang="ru-RU"/>
           </a:p>
@@ -1911,7 +1913,7 @@
           <a:p>
             <a:fld id="{9645A453-BED6-4EFE-ADB1-FEC77425CCCD}" type="datetimeFigureOut">
               <a:rPr lang="ru-RU" smtClean="0"/>
-              <a:t>12.02.2022</a:t>
+              <a:t>13.02.2022</a:t>
             </a:fld>
             <a:endParaRPr lang="ru-RU"/>
           </a:p>
@@ -2006,7 +2008,7 @@
           <a:p>
             <a:fld id="{9645A453-BED6-4EFE-ADB1-FEC77425CCCD}" type="datetimeFigureOut">
               <a:rPr lang="ru-RU" smtClean="0"/>
-              <a:t>12.02.2022</a:t>
+              <a:t>13.02.2022</a:t>
             </a:fld>
             <a:endParaRPr lang="ru-RU"/>
           </a:p>
@@ -2283,7 +2285,7 @@
           <a:p>
             <a:fld id="{9645A453-BED6-4EFE-ADB1-FEC77425CCCD}" type="datetimeFigureOut">
               <a:rPr lang="ru-RU" smtClean="0"/>
-              <a:t>12.02.2022</a:t>
+              <a:t>13.02.2022</a:t>
             </a:fld>
             <a:endParaRPr lang="ru-RU"/>
           </a:p>
@@ -2536,7 +2538,7 @@
           <a:p>
             <a:fld id="{9645A453-BED6-4EFE-ADB1-FEC77425CCCD}" type="datetimeFigureOut">
               <a:rPr lang="ru-RU" smtClean="0"/>
-              <a:t>12.02.2022</a:t>
+              <a:t>13.02.2022</a:t>
             </a:fld>
             <a:endParaRPr lang="ru-RU"/>
           </a:p>
@@ -2749,7 +2751,7 @@
           <a:p>
             <a:fld id="{9645A453-BED6-4EFE-ADB1-FEC77425CCCD}" type="datetimeFigureOut">
               <a:rPr lang="ru-RU" smtClean="0"/>
-              <a:t>12.02.2022</a:t>
+              <a:t>13.02.2022</a:t>
             </a:fld>
             <a:endParaRPr lang="ru-RU"/>
           </a:p>
@@ -3310,1001 +3312,6 @@
           <a:chExt cx="0" cy="0"/>
         </a:xfrm>
       </p:grpSpPr>
-      <p:sp>
-        <p:nvSpPr>
-          <p:cNvPr id="2" name="Заголовок 1"/>
-          <p:cNvSpPr>
-            <a:spLocks noGrp="1"/>
-          </p:cNvSpPr>
-          <p:nvPr>
-            <p:ph type="title"/>
-          </p:nvPr>
-        </p:nvSpPr>
-        <p:spPr>
-          <a:xfrm>
-            <a:off x="539552" y="2852936"/>
-            <a:ext cx="8229600" cy="1143000"/>
-          </a:xfrm>
-        </p:spPr>
-        <p:txBody>
-          <a:bodyPr/>
-          <a:lstStyle/>
-          <a:p>
-            <a:r>
-              <a:rPr lang="en-US" dirty="0" smtClean="0"/>
-              <a:t>Q &amp; A</a:t>
-            </a:r>
-            <a:endParaRPr lang="ru-RU" dirty="0"/>
-          </a:p>
-        </p:txBody>
-      </p:sp>
-    </p:spTree>
-    <p:extLst>
-      <p:ext uri="{BB962C8B-B14F-4D97-AF65-F5344CB8AC3E}">
-        <p14:creationId xmlns:p14="http://schemas.microsoft.com/office/powerpoint/2010/main" val="4094737162"/>
-      </p:ext>
-    </p:extLst>
-  </p:cSld>
-  <p:clrMapOvr>
-    <a:masterClrMapping/>
-  </p:clrMapOvr>
-</p:sld>
-</file>
-
-<file path=ppt/slides/slide2.xml><?xml version="1.0" encoding="utf-8"?>
-<p:sld xmlns:a="http://schemas.openxmlformats.org/drawingml/2006/main" xmlns:r="http://schemas.openxmlformats.org/officeDocument/2006/relationships" xmlns:p="http://schemas.openxmlformats.org/presentationml/2006/main">
-  <p:cSld>
-    <p:spTree>
-      <p:nvGrpSpPr>
-        <p:cNvPr id="1" name=""/>
-        <p:cNvGrpSpPr/>
-        <p:nvPr/>
-      </p:nvGrpSpPr>
-      <p:grpSpPr>
-        <a:xfrm>
-          <a:off x="0" y="0"/>
-          <a:ext cx="0" cy="0"/>
-          <a:chOff x="0" y="0"/>
-          <a:chExt cx="0" cy="0"/>
-        </a:xfrm>
-      </p:grpSpPr>
-      <p:sp>
-        <p:nvSpPr>
-          <p:cNvPr id="2" name="Заголовок 1"/>
-          <p:cNvSpPr>
-            <a:spLocks noGrp="1"/>
-          </p:cNvSpPr>
-          <p:nvPr>
-            <p:ph type="title"/>
-          </p:nvPr>
-        </p:nvSpPr>
-        <p:spPr/>
-        <p:txBody>
-          <a:bodyPr/>
-          <a:lstStyle/>
-          <a:p>
-            <a:r>
-              <a:rPr lang="en-US" dirty="0" smtClean="0"/>
-              <a:t>My goal</a:t>
-            </a:r>
-            <a:endParaRPr lang="ru-RU" dirty="0"/>
-          </a:p>
-        </p:txBody>
-      </p:sp>
-      <p:pic>
-        <p:nvPicPr>
-          <p:cNvPr id="1026" name="Picture 2"/>
-          <p:cNvPicPr>
-            <a:picLocks noGrp="1" noChangeAspect="1" noChangeArrowheads="1"/>
-          </p:cNvPicPr>
-          <p:nvPr>
-            <p:ph idx="1"/>
-          </p:nvPr>
-        </p:nvPicPr>
-        <p:blipFill>
-          <a:blip r:embed="rId2">
-            <a:extLst>
-              <a:ext uri="{28A0092B-C50C-407E-A947-70E740481C1C}">
-                <a14:useLocalDpi xmlns:a14="http://schemas.microsoft.com/office/drawing/2010/main" val="0"/>
-              </a:ext>
-            </a:extLst>
-          </a:blip>
-          <a:srcRect/>
-          <a:stretch>
-            <a:fillRect/>
-          </a:stretch>
-        </p:blipFill>
-        <p:spPr bwMode="auto">
-          <a:xfrm>
-            <a:off x="172780" y="1700808"/>
-            <a:ext cx="8827918" cy="4050239"/>
-          </a:xfrm>
-          <a:prstGeom prst="rect">
-            <a:avLst/>
-          </a:prstGeom>
-          <a:noFill/>
-          <a:ln>
-            <a:noFill/>
-          </a:ln>
-          <a:extLst>
-            <a:ext uri="{909E8E84-426E-40DD-AFC4-6F175D3DCCD1}">
-              <a14:hiddenFill xmlns:a14="http://schemas.microsoft.com/office/drawing/2010/main">
-                <a:solidFill>
-                  <a:schemeClr val="accent1"/>
-                </a:solidFill>
-              </a14:hiddenFill>
-            </a:ext>
-            <a:ext uri="{91240B29-F687-4F45-9708-019B960494DF}">
-              <a14:hiddenLine xmlns:a14="http://schemas.microsoft.com/office/drawing/2010/main" w="9525">
-                <a:solidFill>
-                  <a:schemeClr val="tx1"/>
-                </a:solidFill>
-                <a:miter lim="800000"/>
-                <a:headEnd/>
-                <a:tailEnd/>
-              </a14:hiddenLine>
-            </a:ext>
-          </a:extLst>
-        </p:spPr>
-      </p:pic>
-    </p:spTree>
-    <p:extLst>
-      <p:ext uri="{BB962C8B-B14F-4D97-AF65-F5344CB8AC3E}">
-        <p14:creationId xmlns:p14="http://schemas.microsoft.com/office/powerpoint/2010/main" val="1324705977"/>
-      </p:ext>
-    </p:extLst>
-  </p:cSld>
-  <p:clrMapOvr>
-    <a:masterClrMapping/>
-  </p:clrMapOvr>
-  <p:timing>
-    <p:tnLst>
-      <p:par>
-        <p:cTn id="1" dur="indefinite" restart="never" nodeType="tmRoot"/>
-      </p:par>
-    </p:tnLst>
-  </p:timing>
-</p:sld>
-</file>
-
-<file path=ppt/slides/slide3.xml><?xml version="1.0" encoding="utf-8"?>
-<p:sld xmlns:a="http://schemas.openxmlformats.org/drawingml/2006/main" xmlns:r="http://schemas.openxmlformats.org/officeDocument/2006/relationships" xmlns:p="http://schemas.openxmlformats.org/presentationml/2006/main">
-  <p:cSld>
-    <p:spTree>
-      <p:nvGrpSpPr>
-        <p:cNvPr id="1" name=""/>
-        <p:cNvGrpSpPr/>
-        <p:nvPr/>
-      </p:nvGrpSpPr>
-      <p:grpSpPr>
-        <a:xfrm>
-          <a:off x="0" y="0"/>
-          <a:ext cx="0" cy="0"/>
-          <a:chOff x="0" y="0"/>
-          <a:chExt cx="0" cy="0"/>
-        </a:xfrm>
-      </p:grpSpPr>
-      <p:sp>
-        <p:nvSpPr>
-          <p:cNvPr id="2" name="Заголовок 1"/>
-          <p:cNvSpPr>
-            <a:spLocks noGrp="1"/>
-          </p:cNvSpPr>
-          <p:nvPr>
-            <p:ph type="title"/>
-          </p:nvPr>
-        </p:nvSpPr>
-        <p:spPr/>
-        <p:txBody>
-          <a:bodyPr/>
-          <a:lstStyle/>
-          <a:p>
-            <a:r>
-              <a:rPr lang="en-US" dirty="0" smtClean="0"/>
-              <a:t>Main questions :</a:t>
-            </a:r>
-            <a:endParaRPr lang="ru-RU" dirty="0"/>
-          </a:p>
-        </p:txBody>
-      </p:sp>
-      <p:sp>
-        <p:nvSpPr>
-          <p:cNvPr id="3" name="Объект 2"/>
-          <p:cNvSpPr>
-            <a:spLocks noGrp="1"/>
-          </p:cNvSpPr>
-          <p:nvPr>
-            <p:ph idx="1"/>
-          </p:nvPr>
-        </p:nvSpPr>
-        <p:spPr/>
-        <p:txBody>
-          <a:bodyPr>
-            <a:normAutofit lnSpcReduction="10000"/>
-          </a:bodyPr>
-          <a:lstStyle/>
-          <a:p>
-            <a:r>
-              <a:rPr lang="en-US" dirty="0" smtClean="0"/>
-              <a:t>I have a resource limit (time, money, equipment, experience…), what tools can I use?</a:t>
-            </a:r>
-          </a:p>
-          <a:p>
-            <a:r>
-              <a:rPr lang="en-US" dirty="0" smtClean="0"/>
-              <a:t>How can Jenkins know about a new commit in the repository (push and pull paths)?</a:t>
-            </a:r>
-          </a:p>
-          <a:p>
-            <a:r>
-              <a:rPr lang="en-US" dirty="0" smtClean="0"/>
-              <a:t>I need a reproducible and fast infrastructure creation with backup.</a:t>
-            </a:r>
-          </a:p>
-          <a:p>
-            <a:r>
-              <a:rPr lang="en-US" dirty="0" smtClean="0"/>
-              <a:t>I need to have pipeline status notifications.</a:t>
-            </a:r>
-          </a:p>
-          <a:p>
-            <a:r>
-              <a:rPr lang="en-US" dirty="0" smtClean="0"/>
-              <a:t>The whole process must be secure.</a:t>
-            </a:r>
-            <a:endParaRPr lang="ru-RU" dirty="0"/>
-          </a:p>
-        </p:txBody>
-      </p:sp>
-    </p:spTree>
-    <p:extLst>
-      <p:ext uri="{BB962C8B-B14F-4D97-AF65-F5344CB8AC3E}">
-        <p14:creationId xmlns:p14="http://schemas.microsoft.com/office/powerpoint/2010/main" val="559257758"/>
-      </p:ext>
-    </p:extLst>
-  </p:cSld>
-  <p:clrMapOvr>
-    <a:masterClrMapping/>
-  </p:clrMapOvr>
-  <p:timing>
-    <p:tnLst>
-      <p:par>
-        <p:cTn id="1" dur="indefinite" restart="never" nodeType="tmRoot"/>
-      </p:par>
-    </p:tnLst>
-  </p:timing>
-</p:sld>
-</file>
-
-<file path=ppt/slides/slide4.xml><?xml version="1.0" encoding="utf-8"?>
-<p:sld xmlns:a="http://schemas.openxmlformats.org/drawingml/2006/main" xmlns:r="http://schemas.openxmlformats.org/officeDocument/2006/relationships" xmlns:p="http://schemas.openxmlformats.org/presentationml/2006/main">
-  <p:cSld>
-    <p:spTree>
-      <p:nvGrpSpPr>
-        <p:cNvPr id="1" name=""/>
-        <p:cNvGrpSpPr/>
-        <p:nvPr/>
-      </p:nvGrpSpPr>
-      <p:grpSpPr>
-        <a:xfrm>
-          <a:off x="0" y="0"/>
-          <a:ext cx="0" cy="0"/>
-          <a:chOff x="0" y="0"/>
-          <a:chExt cx="0" cy="0"/>
-        </a:xfrm>
-      </p:grpSpPr>
-      <p:sp>
-        <p:nvSpPr>
-          <p:cNvPr id="2" name="Заголовок 1"/>
-          <p:cNvSpPr>
-            <a:spLocks noGrp="1"/>
-          </p:cNvSpPr>
-          <p:nvPr>
-            <p:ph type="title"/>
-          </p:nvPr>
-        </p:nvSpPr>
-        <p:spPr>
-          <a:xfrm>
-            <a:off x="457200" y="274638"/>
-            <a:ext cx="8229600" cy="1138138"/>
-          </a:xfrm>
-        </p:spPr>
-        <p:txBody>
-          <a:bodyPr>
-            <a:normAutofit fontScale="90000"/>
-          </a:bodyPr>
-          <a:lstStyle/>
-          <a:p>
-            <a:r>
-              <a:rPr lang="en-US" dirty="0" smtClean="0"/>
-              <a:t>Tools used:</a:t>
-            </a:r>
-            <a:br>
-              <a:rPr lang="en-US" dirty="0" smtClean="0"/>
-            </a:br>
-            <a:endParaRPr lang="ru-RU" dirty="0"/>
-          </a:p>
-        </p:txBody>
-      </p:sp>
-      <p:sp>
-        <p:nvSpPr>
-          <p:cNvPr id="3" name="Объект 2"/>
-          <p:cNvSpPr>
-            <a:spLocks noGrp="1"/>
-          </p:cNvSpPr>
-          <p:nvPr>
-            <p:ph idx="1"/>
-          </p:nvPr>
-        </p:nvSpPr>
-        <p:spPr/>
-        <p:txBody>
-          <a:bodyPr>
-            <a:normAutofit fontScale="85000" lnSpcReduction="20000"/>
-          </a:bodyPr>
-          <a:lstStyle/>
-          <a:p>
-            <a:r>
-              <a:rPr lang="en-US" dirty="0" smtClean="0"/>
-              <a:t>OC Microsoft Windows 10 (host computer).</a:t>
-            </a:r>
-          </a:p>
-          <a:p>
-            <a:r>
-              <a:rPr lang="en-US" dirty="0" smtClean="0"/>
-              <a:t>Vagrant by </a:t>
-            </a:r>
-            <a:r>
-              <a:rPr lang="en-US" dirty="0" err="1" smtClean="0"/>
-              <a:t>HashiCorp</a:t>
-            </a:r>
-            <a:r>
-              <a:rPr lang="en-US" dirty="0" smtClean="0"/>
-              <a:t>.</a:t>
-            </a:r>
-          </a:p>
-          <a:p>
-            <a:r>
-              <a:rPr lang="en-US" dirty="0" smtClean="0"/>
-              <a:t>Virtual Box Oracle VM:</a:t>
-            </a:r>
-          </a:p>
-          <a:p>
-            <a:pPr marL="0" indent="0">
-              <a:buNone/>
-            </a:pPr>
-            <a:r>
-              <a:rPr lang="en-US" dirty="0" smtClean="0"/>
-              <a:t>                 - Ubuntu 20.04 LTS (bridged):</a:t>
-            </a:r>
-          </a:p>
-          <a:p>
-            <a:pPr marL="0" indent="0">
-              <a:buNone/>
-            </a:pPr>
-            <a:r>
-              <a:rPr lang="en-US" dirty="0" smtClean="0"/>
-              <a:t>                          - Jenkins.</a:t>
-            </a:r>
-          </a:p>
-          <a:p>
-            <a:pPr marL="0" indent="0">
-              <a:buNone/>
-            </a:pPr>
-            <a:r>
-              <a:rPr lang="en-US" dirty="0" smtClean="0"/>
-              <a:t>                          - Docker:</a:t>
-            </a:r>
-          </a:p>
-          <a:p>
-            <a:pPr marL="0" indent="0">
-              <a:buNone/>
-            </a:pPr>
-            <a:r>
-              <a:rPr lang="en-US" dirty="0" smtClean="0"/>
-              <a:t>                                 - Apache Maven.</a:t>
-            </a:r>
-          </a:p>
-          <a:p>
-            <a:pPr marL="0" indent="0">
-              <a:buNone/>
-            </a:pPr>
-            <a:r>
-              <a:rPr lang="en-US" dirty="0"/>
-              <a:t> </a:t>
-            </a:r>
-            <a:r>
-              <a:rPr lang="en-US" dirty="0" smtClean="0"/>
-              <a:t>                         - Telegram Bot.</a:t>
-            </a:r>
-          </a:p>
-          <a:p>
-            <a:r>
-              <a:rPr lang="en-US" dirty="0" err="1" smtClean="0"/>
-              <a:t>Git</a:t>
-            </a:r>
-            <a:r>
-              <a:rPr lang="en-US" dirty="0" smtClean="0"/>
-              <a:t> hub</a:t>
-            </a:r>
-          </a:p>
-          <a:p>
-            <a:r>
-              <a:rPr lang="en-US" dirty="0" smtClean="0"/>
-              <a:t>Docker Hub</a:t>
-            </a:r>
-            <a:endParaRPr lang="ru-RU" dirty="0"/>
-          </a:p>
-        </p:txBody>
-      </p:sp>
-    </p:spTree>
-    <p:extLst>
-      <p:ext uri="{BB962C8B-B14F-4D97-AF65-F5344CB8AC3E}">
-        <p14:creationId xmlns:p14="http://schemas.microsoft.com/office/powerpoint/2010/main" val="4104500241"/>
-      </p:ext>
-    </p:extLst>
-  </p:cSld>
-  <p:clrMapOvr>
-    <a:masterClrMapping/>
-  </p:clrMapOvr>
-  <p:timing>
-    <p:tnLst>
-      <p:par>
-        <p:cTn id="1" dur="indefinite" restart="never" nodeType="tmRoot"/>
-      </p:par>
-    </p:tnLst>
-  </p:timing>
-</p:sld>
-</file>
-
-<file path=ppt/slides/slide5.xml><?xml version="1.0" encoding="utf-8"?>
-<p:sld xmlns:a="http://schemas.openxmlformats.org/drawingml/2006/main" xmlns:r="http://schemas.openxmlformats.org/officeDocument/2006/relationships" xmlns:p="http://schemas.openxmlformats.org/presentationml/2006/main">
-  <p:cSld>
-    <p:spTree>
-      <p:nvGrpSpPr>
-        <p:cNvPr id="1" name=""/>
-        <p:cNvGrpSpPr/>
-        <p:nvPr/>
-      </p:nvGrpSpPr>
-      <p:grpSpPr>
-        <a:xfrm>
-          <a:off x="0" y="0"/>
-          <a:ext cx="0" cy="0"/>
-          <a:chOff x="0" y="0"/>
-          <a:chExt cx="0" cy="0"/>
-        </a:xfrm>
-      </p:grpSpPr>
-      <p:sp>
-        <p:nvSpPr>
-          <p:cNvPr id="2" name="Заголовок 1"/>
-          <p:cNvSpPr>
-            <a:spLocks noGrp="1"/>
-          </p:cNvSpPr>
-          <p:nvPr>
-            <p:ph type="title"/>
-          </p:nvPr>
-        </p:nvSpPr>
-        <p:spPr/>
-        <p:txBody>
-          <a:bodyPr/>
-          <a:lstStyle/>
-          <a:p>
-            <a:r>
-              <a:rPr lang="en-US" dirty="0" smtClean="0"/>
-              <a:t>My pipeline</a:t>
-            </a:r>
-            <a:endParaRPr lang="ru-RU" dirty="0"/>
-          </a:p>
-        </p:txBody>
-      </p:sp>
-      <p:pic>
-        <p:nvPicPr>
-          <p:cNvPr id="2050" name="Picture 2"/>
-          <p:cNvPicPr>
-            <a:picLocks noChangeAspect="1" noChangeArrowheads="1"/>
-          </p:cNvPicPr>
-          <p:nvPr/>
-        </p:nvPicPr>
-        <p:blipFill rotWithShape="1">
-          <a:blip r:embed="rId2">
-            <a:extLst>
-              <a:ext uri="{28A0092B-C50C-407E-A947-70E740481C1C}">
-                <a14:useLocalDpi xmlns:a14="http://schemas.microsoft.com/office/drawing/2010/main" val="0"/>
-              </a:ext>
-            </a:extLst>
-          </a:blip>
-          <a:srcRect r="10614"/>
-          <a:stretch/>
-        </p:blipFill>
-        <p:spPr bwMode="auto">
-          <a:xfrm>
-            <a:off x="-18592" y="1559331"/>
-            <a:ext cx="9162592" cy="5155511"/>
-          </a:xfrm>
-          <a:prstGeom prst="rect">
-            <a:avLst/>
-          </a:prstGeom>
-          <a:noFill/>
-          <a:ln>
-            <a:noFill/>
-          </a:ln>
-          <a:extLst>
-            <a:ext uri="{909E8E84-426E-40DD-AFC4-6F175D3DCCD1}">
-              <a14:hiddenFill xmlns:a14="http://schemas.microsoft.com/office/drawing/2010/main">
-                <a:solidFill>
-                  <a:schemeClr val="accent1"/>
-                </a:solidFill>
-              </a14:hiddenFill>
-            </a:ext>
-            <a:ext uri="{91240B29-F687-4F45-9708-019B960494DF}">
-              <a14:hiddenLine xmlns:a14="http://schemas.microsoft.com/office/drawing/2010/main" w="9525">
-                <a:solidFill>
-                  <a:schemeClr val="tx1"/>
-                </a:solidFill>
-                <a:miter lim="800000"/>
-                <a:headEnd/>
-                <a:tailEnd/>
-              </a14:hiddenLine>
-            </a:ext>
-          </a:extLst>
-        </p:spPr>
-      </p:pic>
-    </p:spTree>
-    <p:extLst>
-      <p:ext uri="{BB962C8B-B14F-4D97-AF65-F5344CB8AC3E}">
-        <p14:creationId xmlns:p14="http://schemas.microsoft.com/office/powerpoint/2010/main" val="1391920752"/>
-      </p:ext>
-    </p:extLst>
-  </p:cSld>
-  <p:clrMapOvr>
-    <a:masterClrMapping/>
-  </p:clrMapOvr>
-  <p:timing>
-    <p:tnLst>
-      <p:par>
-        <p:cTn id="1" dur="indefinite" restart="never" nodeType="tmRoot"/>
-      </p:par>
-    </p:tnLst>
-  </p:timing>
-</p:sld>
-</file>
-
-<file path=ppt/slides/slide6.xml><?xml version="1.0" encoding="utf-8"?>
-<p:sld xmlns:a="http://schemas.openxmlformats.org/drawingml/2006/main" xmlns:r="http://schemas.openxmlformats.org/officeDocument/2006/relationships" xmlns:p="http://schemas.openxmlformats.org/presentationml/2006/main">
-  <p:cSld>
-    <p:spTree>
-      <p:nvGrpSpPr>
-        <p:cNvPr id="1" name=""/>
-        <p:cNvGrpSpPr/>
-        <p:nvPr/>
-      </p:nvGrpSpPr>
-      <p:grpSpPr>
-        <a:xfrm>
-          <a:off x="0" y="0"/>
-          <a:ext cx="0" cy="0"/>
-          <a:chOff x="0" y="0"/>
-          <a:chExt cx="0" cy="0"/>
-        </a:xfrm>
-      </p:grpSpPr>
-      <p:sp>
-        <p:nvSpPr>
-          <p:cNvPr id="2" name="Заголовок 1"/>
-          <p:cNvSpPr>
-            <a:spLocks noGrp="1"/>
-          </p:cNvSpPr>
-          <p:nvPr>
-            <p:ph type="title"/>
-          </p:nvPr>
-        </p:nvSpPr>
-        <p:spPr/>
-        <p:txBody>
-          <a:bodyPr/>
-          <a:lstStyle/>
-          <a:p>
-            <a:r>
-              <a:rPr lang="en-US" i="1" dirty="0" smtClean="0"/>
-              <a:t>CI (</a:t>
-            </a:r>
-            <a:r>
-              <a:rPr lang="en-US" i="1" dirty="0"/>
-              <a:t>continuous integration</a:t>
-            </a:r>
-            <a:r>
-              <a:rPr lang="en-US" i="1" dirty="0" smtClean="0"/>
-              <a:t>) process</a:t>
-            </a:r>
-            <a:endParaRPr lang="ru-RU" i="1" dirty="0"/>
-          </a:p>
-        </p:txBody>
-      </p:sp>
-      <p:sp>
-        <p:nvSpPr>
-          <p:cNvPr id="3" name="Объект 2"/>
-          <p:cNvSpPr>
-            <a:spLocks noGrp="1"/>
-          </p:cNvSpPr>
-          <p:nvPr>
-            <p:ph idx="1"/>
-          </p:nvPr>
-        </p:nvSpPr>
-        <p:spPr/>
-        <p:txBody>
-          <a:bodyPr/>
-          <a:lstStyle/>
-          <a:p>
-            <a:r>
-              <a:rPr lang="en-US" dirty="0"/>
-              <a:t>The developer pushes the code to </a:t>
-            </a:r>
-            <a:r>
-              <a:rPr lang="en-US" dirty="0" err="1"/>
-              <a:t>Git</a:t>
-            </a:r>
-            <a:r>
-              <a:rPr lang="en-US" dirty="0"/>
-              <a:t> HUB.</a:t>
-            </a:r>
-          </a:p>
-          <a:p>
-            <a:r>
-              <a:rPr lang="en-US" dirty="0"/>
-              <a:t>Jenkins job sends a request to GIT HUB 1 time per minute. When it sees the changes in the repository, the pipeline will start.</a:t>
-            </a:r>
-          </a:p>
-          <a:p>
-            <a:r>
-              <a:rPr lang="en-US" dirty="0"/>
-              <a:t>The job starts a Docker container with Maven that builds and tests the project.</a:t>
-            </a:r>
-          </a:p>
-          <a:p>
-            <a:r>
-              <a:rPr lang="en-US" dirty="0"/>
-              <a:t>The result of the CI process is ARTIFACT.</a:t>
-            </a:r>
-            <a:endParaRPr lang="ru-RU" dirty="0"/>
-          </a:p>
-        </p:txBody>
-      </p:sp>
-    </p:spTree>
-    <p:extLst>
-      <p:ext uri="{BB962C8B-B14F-4D97-AF65-F5344CB8AC3E}">
-        <p14:creationId xmlns:p14="http://schemas.microsoft.com/office/powerpoint/2010/main" val="3556005886"/>
-      </p:ext>
-    </p:extLst>
-  </p:cSld>
-  <p:clrMapOvr>
-    <a:masterClrMapping/>
-  </p:clrMapOvr>
-  <p:timing>
-    <p:tnLst>
-      <p:par>
-        <p:cTn id="1" dur="indefinite" restart="never" nodeType="tmRoot"/>
-      </p:par>
-    </p:tnLst>
-  </p:timing>
-</p:sld>
-</file>
-
-<file path=ppt/slides/slide7.xml><?xml version="1.0" encoding="utf-8"?>
-<p:sld xmlns:a="http://schemas.openxmlformats.org/drawingml/2006/main" xmlns:r="http://schemas.openxmlformats.org/officeDocument/2006/relationships" xmlns:p="http://schemas.openxmlformats.org/presentationml/2006/main">
-  <p:cSld>
-    <p:spTree>
-      <p:nvGrpSpPr>
-        <p:cNvPr id="1" name=""/>
-        <p:cNvGrpSpPr/>
-        <p:nvPr/>
-      </p:nvGrpSpPr>
-      <p:grpSpPr>
-        <a:xfrm>
-          <a:off x="0" y="0"/>
-          <a:ext cx="0" cy="0"/>
-          <a:chOff x="0" y="0"/>
-          <a:chExt cx="0" cy="0"/>
-        </a:xfrm>
-      </p:grpSpPr>
-      <p:sp>
-        <p:nvSpPr>
-          <p:cNvPr id="2" name="Заголовок 1"/>
-          <p:cNvSpPr>
-            <a:spLocks noGrp="1"/>
-          </p:cNvSpPr>
-          <p:nvPr>
-            <p:ph type="title"/>
-          </p:nvPr>
-        </p:nvSpPr>
-        <p:spPr/>
-        <p:txBody>
-          <a:bodyPr/>
-          <a:lstStyle/>
-          <a:p>
-            <a:r>
-              <a:rPr lang="en-US" dirty="0" smtClean="0"/>
-              <a:t>CD (</a:t>
-            </a:r>
-            <a:r>
-              <a:rPr lang="en-US" i="1" dirty="0"/>
-              <a:t>continuous delivery</a:t>
-            </a:r>
-            <a:r>
-              <a:rPr lang="en-US" dirty="0" smtClean="0"/>
-              <a:t>) process</a:t>
-            </a:r>
-            <a:endParaRPr lang="ru-RU" dirty="0"/>
-          </a:p>
-        </p:txBody>
-      </p:sp>
-      <p:sp>
-        <p:nvSpPr>
-          <p:cNvPr id="3" name="Объект 2"/>
-          <p:cNvSpPr>
-            <a:spLocks noGrp="1"/>
-          </p:cNvSpPr>
-          <p:nvPr>
-            <p:ph idx="1"/>
-          </p:nvPr>
-        </p:nvSpPr>
-        <p:spPr/>
-        <p:txBody>
-          <a:bodyPr/>
-          <a:lstStyle/>
-          <a:p>
-            <a:r>
-              <a:rPr lang="en-US" dirty="0"/>
-              <a:t>In the current pipeline, delivery starts with building the </a:t>
-            </a:r>
-            <a:r>
-              <a:rPr lang="en-US" dirty="0" err="1"/>
-              <a:t>docker</a:t>
-            </a:r>
-            <a:r>
-              <a:rPr lang="en-US" dirty="0"/>
-              <a:t> image.</a:t>
-            </a:r>
-          </a:p>
-          <a:p>
-            <a:r>
-              <a:rPr lang="en-US" dirty="0"/>
-              <a:t>When the image is ready, it is sent to Docker Hub.</a:t>
-            </a:r>
-          </a:p>
-          <a:p>
-            <a:r>
-              <a:rPr lang="en-US" dirty="0"/>
-              <a:t>From Docker Hub, the image can be pushed to the QA environment, to the stage/production server.</a:t>
-            </a:r>
-            <a:endParaRPr lang="ru-RU" dirty="0"/>
-          </a:p>
-        </p:txBody>
-      </p:sp>
-    </p:spTree>
-    <p:extLst>
-      <p:ext uri="{BB962C8B-B14F-4D97-AF65-F5344CB8AC3E}">
-        <p14:creationId xmlns:p14="http://schemas.microsoft.com/office/powerpoint/2010/main" val="1345975833"/>
-      </p:ext>
-    </p:extLst>
-  </p:cSld>
-  <p:clrMapOvr>
-    <a:masterClrMapping/>
-  </p:clrMapOvr>
-</p:sld>
-</file>
-
-<file path=ppt/slides/slide8.xml><?xml version="1.0" encoding="utf-8"?>
-<p:sld xmlns:a="http://schemas.openxmlformats.org/drawingml/2006/main" xmlns:r="http://schemas.openxmlformats.org/officeDocument/2006/relationships" xmlns:p="http://schemas.openxmlformats.org/presentationml/2006/main">
-  <p:cSld>
-    <p:spTree>
-      <p:nvGrpSpPr>
-        <p:cNvPr id="1" name=""/>
-        <p:cNvGrpSpPr/>
-        <p:nvPr/>
-      </p:nvGrpSpPr>
-      <p:grpSpPr>
-        <a:xfrm>
-          <a:off x="0" y="0"/>
-          <a:ext cx="0" cy="0"/>
-          <a:chOff x="0" y="0"/>
-          <a:chExt cx="0" cy="0"/>
-        </a:xfrm>
-      </p:grpSpPr>
-      <p:pic>
-        <p:nvPicPr>
-          <p:cNvPr id="3075" name="Picture 3"/>
-          <p:cNvPicPr>
-            <a:picLocks noChangeAspect="1" noChangeArrowheads="1"/>
-          </p:cNvPicPr>
-          <p:nvPr/>
-        </p:nvPicPr>
-        <p:blipFill>
-          <a:blip r:embed="rId2">
-            <a:extLst>
-              <a:ext uri="{28A0092B-C50C-407E-A947-70E740481C1C}">
-                <a14:useLocalDpi xmlns:a14="http://schemas.microsoft.com/office/drawing/2010/main" val="0"/>
-              </a:ext>
-            </a:extLst>
-          </a:blip>
-          <a:srcRect/>
-          <a:stretch>
-            <a:fillRect/>
-          </a:stretch>
-        </p:blipFill>
-        <p:spPr bwMode="auto">
-          <a:xfrm>
-            <a:off x="107504" y="0"/>
-            <a:ext cx="7781925" cy="2343150"/>
-          </a:xfrm>
-          <a:prstGeom prst="rect">
-            <a:avLst/>
-          </a:prstGeom>
-          <a:noFill/>
-          <a:ln>
-            <a:noFill/>
-          </a:ln>
-          <a:extLst>
-            <a:ext uri="{909E8E84-426E-40DD-AFC4-6F175D3DCCD1}">
-              <a14:hiddenFill xmlns:a14="http://schemas.microsoft.com/office/drawing/2010/main">
-                <a:solidFill>
-                  <a:schemeClr val="accent1"/>
-                </a:solidFill>
-              </a14:hiddenFill>
-            </a:ext>
-            <a:ext uri="{91240B29-F687-4F45-9708-019B960494DF}">
-              <a14:hiddenLine xmlns:a14="http://schemas.microsoft.com/office/drawing/2010/main" w="9525">
-                <a:solidFill>
-                  <a:schemeClr val="tx1"/>
-                </a:solidFill>
-                <a:miter lim="800000"/>
-                <a:headEnd/>
-                <a:tailEnd/>
-              </a14:hiddenLine>
-            </a:ext>
-          </a:extLst>
-        </p:spPr>
-      </p:pic>
-      <p:pic>
-        <p:nvPicPr>
-          <p:cNvPr id="3077" name="Picture 5"/>
-          <p:cNvPicPr>
-            <a:picLocks noChangeAspect="1" noChangeArrowheads="1"/>
-          </p:cNvPicPr>
-          <p:nvPr/>
-        </p:nvPicPr>
-        <p:blipFill>
-          <a:blip r:embed="rId3">
-            <a:extLst>
-              <a:ext uri="{28A0092B-C50C-407E-A947-70E740481C1C}">
-                <a14:useLocalDpi xmlns:a14="http://schemas.microsoft.com/office/drawing/2010/main" val="0"/>
-              </a:ext>
-            </a:extLst>
-          </a:blip>
-          <a:srcRect/>
-          <a:stretch>
-            <a:fillRect/>
-          </a:stretch>
-        </p:blipFill>
-        <p:spPr bwMode="auto">
-          <a:xfrm>
-            <a:off x="107504" y="2343150"/>
-            <a:ext cx="6942162" cy="2305050"/>
-          </a:xfrm>
-          <a:prstGeom prst="rect">
-            <a:avLst/>
-          </a:prstGeom>
-          <a:noFill/>
-          <a:ln>
-            <a:noFill/>
-          </a:ln>
-          <a:extLst>
-            <a:ext uri="{909E8E84-426E-40DD-AFC4-6F175D3DCCD1}">
-              <a14:hiddenFill xmlns:a14="http://schemas.microsoft.com/office/drawing/2010/main">
-                <a:solidFill>
-                  <a:schemeClr val="accent1"/>
-                </a:solidFill>
-              </a14:hiddenFill>
-            </a:ext>
-            <a:ext uri="{91240B29-F687-4F45-9708-019B960494DF}">
-              <a14:hiddenLine xmlns:a14="http://schemas.microsoft.com/office/drawing/2010/main" w="9525">
-                <a:solidFill>
-                  <a:schemeClr val="tx1"/>
-                </a:solidFill>
-                <a:miter lim="800000"/>
-                <a:headEnd/>
-                <a:tailEnd/>
-              </a14:hiddenLine>
-            </a:ext>
-          </a:extLst>
-        </p:spPr>
-      </p:pic>
-      <p:pic>
-        <p:nvPicPr>
-          <p:cNvPr id="3078" name="Picture 6"/>
-          <p:cNvPicPr>
-            <a:picLocks noChangeAspect="1" noChangeArrowheads="1"/>
-          </p:cNvPicPr>
-          <p:nvPr/>
-        </p:nvPicPr>
-        <p:blipFill>
-          <a:blip r:embed="rId4">
-            <a:extLst>
-              <a:ext uri="{28A0092B-C50C-407E-A947-70E740481C1C}">
-                <a14:useLocalDpi xmlns:a14="http://schemas.microsoft.com/office/drawing/2010/main" val="0"/>
-              </a:ext>
-            </a:extLst>
-          </a:blip>
-          <a:srcRect/>
-          <a:stretch>
-            <a:fillRect/>
-          </a:stretch>
-        </p:blipFill>
-        <p:spPr bwMode="auto">
-          <a:xfrm>
-            <a:off x="104947" y="4738315"/>
-            <a:ext cx="8964488" cy="732127"/>
-          </a:xfrm>
-          <a:prstGeom prst="rect">
-            <a:avLst/>
-          </a:prstGeom>
-          <a:noFill/>
-          <a:ln>
-            <a:noFill/>
-          </a:ln>
-          <a:extLst>
-            <a:ext uri="{909E8E84-426E-40DD-AFC4-6F175D3DCCD1}">
-              <a14:hiddenFill xmlns:a14="http://schemas.microsoft.com/office/drawing/2010/main">
-                <a:solidFill>
-                  <a:schemeClr val="accent1"/>
-                </a:solidFill>
-              </a14:hiddenFill>
-            </a:ext>
-            <a:ext uri="{91240B29-F687-4F45-9708-019B960494DF}">
-              <a14:hiddenLine xmlns:a14="http://schemas.microsoft.com/office/drawing/2010/main" w="9525">
-                <a:solidFill>
-                  <a:schemeClr val="tx1"/>
-                </a:solidFill>
-                <a:miter lim="800000"/>
-                <a:headEnd/>
-                <a:tailEnd/>
-              </a14:hiddenLine>
-            </a:ext>
-          </a:extLst>
-        </p:spPr>
-      </p:pic>
-    </p:spTree>
-    <p:extLst>
-      <p:ext uri="{BB962C8B-B14F-4D97-AF65-F5344CB8AC3E}">
-        <p14:creationId xmlns:p14="http://schemas.microsoft.com/office/powerpoint/2010/main" val="3607193971"/>
-      </p:ext>
-    </p:extLst>
-  </p:cSld>
-  <p:clrMapOvr>
-    <a:masterClrMapping/>
-  </p:clrMapOvr>
-  <p:timing>
-    <p:tnLst>
-      <p:par>
-        <p:cTn id="1" dur="indefinite" restart="never" nodeType="tmRoot"/>
-      </p:par>
-    </p:tnLst>
-  </p:timing>
-</p:sld>
-</file>
-
-<file path=ppt/slides/slide9.xml><?xml version="1.0" encoding="utf-8"?>
-<p:sld xmlns:a="http://schemas.openxmlformats.org/drawingml/2006/main" xmlns:r="http://schemas.openxmlformats.org/officeDocument/2006/relationships" xmlns:p="http://schemas.openxmlformats.org/presentationml/2006/main">
-  <p:cSld>
-    <p:spTree>
-      <p:nvGrpSpPr>
-        <p:cNvPr id="1" name=""/>
-        <p:cNvGrpSpPr/>
-        <p:nvPr/>
-      </p:nvGrpSpPr>
-      <p:grpSpPr>
-        <a:xfrm>
-          <a:off x="0" y="0"/>
-          <a:ext cx="0" cy="0"/>
-          <a:chOff x="0" y="0"/>
-          <a:chExt cx="0" cy="0"/>
-        </a:xfrm>
-      </p:grpSpPr>
       <p:pic>
         <p:nvPicPr>
           <p:cNvPr id="4098" name="Picture 2"/>
@@ -4592,6 +3599,1220 @@
       </p:par>
     </p:tnLst>
   </p:timing>
+</p:sld>
+</file>
+
+<file path=ppt/slides/slide11.xml><?xml version="1.0" encoding="utf-8"?>
+<p:sld xmlns:a="http://schemas.openxmlformats.org/drawingml/2006/main" xmlns:r="http://schemas.openxmlformats.org/officeDocument/2006/relationships" xmlns:p="http://schemas.openxmlformats.org/presentationml/2006/main">
+  <p:cSld>
+    <p:spTree>
+      <p:nvGrpSpPr>
+        <p:cNvPr id="1" name=""/>
+        <p:cNvGrpSpPr/>
+        <p:nvPr/>
+      </p:nvGrpSpPr>
+      <p:grpSpPr>
+        <a:xfrm>
+          <a:off x="0" y="0"/>
+          <a:ext cx="0" cy="0"/>
+          <a:chOff x="0" y="0"/>
+          <a:chExt cx="0" cy="0"/>
+        </a:xfrm>
+      </p:grpSpPr>
+      <p:sp>
+        <p:nvSpPr>
+          <p:cNvPr id="2" name="Заголовок 1"/>
+          <p:cNvSpPr>
+            <a:spLocks noGrp="1"/>
+          </p:cNvSpPr>
+          <p:nvPr>
+            <p:ph type="title"/>
+          </p:nvPr>
+        </p:nvSpPr>
+        <p:spPr>
+          <a:xfrm>
+            <a:off x="539552" y="2852936"/>
+            <a:ext cx="8229600" cy="1143000"/>
+          </a:xfrm>
+        </p:spPr>
+        <p:txBody>
+          <a:bodyPr/>
+          <a:lstStyle/>
+          <a:p>
+            <a:r>
+              <a:rPr lang="en-US" dirty="0" smtClean="0"/>
+              <a:t>Q &amp; A</a:t>
+            </a:r>
+            <a:endParaRPr lang="ru-RU" dirty="0"/>
+          </a:p>
+        </p:txBody>
+      </p:sp>
+    </p:spTree>
+    <p:extLst>
+      <p:ext uri="{BB962C8B-B14F-4D97-AF65-F5344CB8AC3E}">
+        <p14:creationId xmlns:p14="http://schemas.microsoft.com/office/powerpoint/2010/main" val="4094737162"/>
+      </p:ext>
+    </p:extLst>
+  </p:cSld>
+  <p:clrMapOvr>
+    <a:masterClrMapping/>
+  </p:clrMapOvr>
+</p:sld>
+</file>
+
+<file path=ppt/slides/slide2.xml><?xml version="1.0" encoding="utf-8"?>
+<p:sld xmlns:a="http://schemas.openxmlformats.org/drawingml/2006/main" xmlns:r="http://schemas.openxmlformats.org/officeDocument/2006/relationships" xmlns:p="http://schemas.openxmlformats.org/presentationml/2006/main">
+  <p:cSld>
+    <p:spTree>
+      <p:nvGrpSpPr>
+        <p:cNvPr id="1" name=""/>
+        <p:cNvGrpSpPr/>
+        <p:nvPr/>
+      </p:nvGrpSpPr>
+      <p:grpSpPr>
+        <a:xfrm>
+          <a:off x="0" y="0"/>
+          <a:ext cx="0" cy="0"/>
+          <a:chOff x="0" y="0"/>
+          <a:chExt cx="0" cy="0"/>
+        </a:xfrm>
+      </p:grpSpPr>
+      <p:sp>
+        <p:nvSpPr>
+          <p:cNvPr id="2" name="Заголовок 1"/>
+          <p:cNvSpPr>
+            <a:spLocks noGrp="1"/>
+          </p:cNvSpPr>
+          <p:nvPr>
+            <p:ph type="title"/>
+          </p:nvPr>
+        </p:nvSpPr>
+        <p:spPr/>
+        <p:txBody>
+          <a:bodyPr/>
+          <a:lstStyle/>
+          <a:p>
+            <a:r>
+              <a:rPr lang="en-US" dirty="0" smtClean="0"/>
+              <a:t>My goal</a:t>
+            </a:r>
+            <a:endParaRPr lang="ru-RU" dirty="0"/>
+          </a:p>
+        </p:txBody>
+      </p:sp>
+      <p:pic>
+        <p:nvPicPr>
+          <p:cNvPr id="1026" name="Picture 2"/>
+          <p:cNvPicPr>
+            <a:picLocks noGrp="1" noChangeAspect="1" noChangeArrowheads="1"/>
+          </p:cNvPicPr>
+          <p:nvPr>
+            <p:ph idx="1"/>
+          </p:nvPr>
+        </p:nvPicPr>
+        <p:blipFill>
+          <a:blip r:embed="rId2">
+            <a:extLst>
+              <a:ext uri="{28A0092B-C50C-407E-A947-70E740481C1C}">
+                <a14:useLocalDpi xmlns:a14="http://schemas.microsoft.com/office/drawing/2010/main" val="0"/>
+              </a:ext>
+            </a:extLst>
+          </a:blip>
+          <a:srcRect/>
+          <a:stretch>
+            <a:fillRect/>
+          </a:stretch>
+        </p:blipFill>
+        <p:spPr bwMode="auto">
+          <a:xfrm>
+            <a:off x="172780" y="1700808"/>
+            <a:ext cx="8827918" cy="4050239"/>
+          </a:xfrm>
+          <a:prstGeom prst="rect">
+            <a:avLst/>
+          </a:prstGeom>
+          <a:noFill/>
+          <a:ln>
+            <a:noFill/>
+          </a:ln>
+          <a:extLst>
+            <a:ext uri="{909E8E84-426E-40DD-AFC4-6F175D3DCCD1}">
+              <a14:hiddenFill xmlns:a14="http://schemas.microsoft.com/office/drawing/2010/main">
+                <a:solidFill>
+                  <a:schemeClr val="accent1"/>
+                </a:solidFill>
+              </a14:hiddenFill>
+            </a:ext>
+            <a:ext uri="{91240B29-F687-4F45-9708-019B960494DF}">
+              <a14:hiddenLine xmlns:a14="http://schemas.microsoft.com/office/drawing/2010/main" w="9525">
+                <a:solidFill>
+                  <a:schemeClr val="tx1"/>
+                </a:solidFill>
+                <a:miter lim="800000"/>
+                <a:headEnd/>
+                <a:tailEnd/>
+              </a14:hiddenLine>
+            </a:ext>
+          </a:extLst>
+        </p:spPr>
+      </p:pic>
+    </p:spTree>
+    <p:extLst>
+      <p:ext uri="{BB962C8B-B14F-4D97-AF65-F5344CB8AC3E}">
+        <p14:creationId xmlns:p14="http://schemas.microsoft.com/office/powerpoint/2010/main" val="1324705977"/>
+      </p:ext>
+    </p:extLst>
+  </p:cSld>
+  <p:clrMapOvr>
+    <a:masterClrMapping/>
+  </p:clrMapOvr>
+  <p:timing>
+    <p:tnLst>
+      <p:par>
+        <p:cTn id="1" dur="indefinite" restart="never" nodeType="tmRoot"/>
+      </p:par>
+    </p:tnLst>
+  </p:timing>
+</p:sld>
+</file>
+
+<file path=ppt/slides/slide3.xml><?xml version="1.0" encoding="utf-8"?>
+<p:sld xmlns:a="http://schemas.openxmlformats.org/drawingml/2006/main" xmlns:r="http://schemas.openxmlformats.org/officeDocument/2006/relationships" xmlns:p="http://schemas.openxmlformats.org/presentationml/2006/main">
+  <p:cSld>
+    <p:spTree>
+      <p:nvGrpSpPr>
+        <p:cNvPr id="1" name=""/>
+        <p:cNvGrpSpPr/>
+        <p:nvPr/>
+      </p:nvGrpSpPr>
+      <p:grpSpPr>
+        <a:xfrm>
+          <a:off x="0" y="0"/>
+          <a:ext cx="0" cy="0"/>
+          <a:chOff x="0" y="0"/>
+          <a:chExt cx="0" cy="0"/>
+        </a:xfrm>
+      </p:grpSpPr>
+      <p:sp>
+        <p:nvSpPr>
+          <p:cNvPr id="2" name="Заголовок 1"/>
+          <p:cNvSpPr>
+            <a:spLocks noGrp="1"/>
+          </p:cNvSpPr>
+          <p:nvPr>
+            <p:ph type="title"/>
+          </p:nvPr>
+        </p:nvSpPr>
+        <p:spPr/>
+        <p:txBody>
+          <a:bodyPr/>
+          <a:lstStyle/>
+          <a:p>
+            <a:r>
+              <a:rPr lang="en-US" dirty="0" smtClean="0"/>
+              <a:t>Main questions :</a:t>
+            </a:r>
+            <a:endParaRPr lang="ru-RU" dirty="0"/>
+          </a:p>
+        </p:txBody>
+      </p:sp>
+      <p:sp>
+        <p:nvSpPr>
+          <p:cNvPr id="3" name="Объект 2"/>
+          <p:cNvSpPr>
+            <a:spLocks noGrp="1"/>
+          </p:cNvSpPr>
+          <p:nvPr>
+            <p:ph idx="1"/>
+          </p:nvPr>
+        </p:nvSpPr>
+        <p:spPr/>
+        <p:txBody>
+          <a:bodyPr>
+            <a:normAutofit fontScale="85000" lnSpcReduction="20000"/>
+          </a:bodyPr>
+          <a:lstStyle/>
+          <a:p>
+            <a:r>
+              <a:rPr lang="en-US" dirty="0" smtClean="0"/>
+              <a:t>I have a resource limit (time, money, equipment, experience…), what tools can I use?</a:t>
+            </a:r>
+          </a:p>
+          <a:p>
+            <a:r>
+              <a:rPr lang="en-US" smtClean="0"/>
+              <a:t>Location </a:t>
+            </a:r>
+            <a:r>
+              <a:rPr lang="en-US" dirty="0"/>
+              <a:t>of the servers, services, type of network (Cloud solutions, </a:t>
+            </a:r>
+            <a:r>
+              <a:rPr lang="en-US" dirty="0" err="1"/>
+              <a:t>VirtualBox</a:t>
+            </a:r>
+            <a:r>
+              <a:rPr lang="en-US" dirty="0"/>
+              <a:t>, Linux OS or Microsoft Windows OS, </a:t>
+            </a:r>
+            <a:r>
+              <a:rPr lang="en-US" dirty="0" err="1"/>
+              <a:t>MacOS</a:t>
+            </a:r>
+            <a:r>
+              <a:rPr lang="en-US" dirty="0"/>
+              <a:t>).</a:t>
+            </a:r>
+            <a:endParaRPr lang="en-US" dirty="0" smtClean="0"/>
+          </a:p>
+          <a:p>
+            <a:r>
+              <a:rPr lang="en-US" dirty="0" smtClean="0"/>
+              <a:t>How can Jenkins know about a new commit in the repository (push and pull paths)?</a:t>
+            </a:r>
+          </a:p>
+          <a:p>
+            <a:r>
+              <a:rPr lang="en-US" dirty="0" smtClean="0"/>
+              <a:t>I need a reproducible and fast infrastructure creation with backup.</a:t>
+            </a:r>
+          </a:p>
+          <a:p>
+            <a:r>
+              <a:rPr lang="en-US" dirty="0" smtClean="0"/>
+              <a:t>I need to have pipeline status notifications.</a:t>
+            </a:r>
+          </a:p>
+          <a:p>
+            <a:r>
+              <a:rPr lang="en-US" dirty="0" smtClean="0"/>
+              <a:t>The whole process must be secure.</a:t>
+            </a:r>
+            <a:endParaRPr lang="ru-RU" dirty="0"/>
+          </a:p>
+        </p:txBody>
+      </p:sp>
+      <p:pic>
+        <p:nvPicPr>
+          <p:cNvPr id="4" name="Picture 2"/>
+          <p:cNvPicPr>
+            <a:picLocks noChangeAspect="1" noChangeArrowheads="1"/>
+          </p:cNvPicPr>
+          <p:nvPr/>
+        </p:nvPicPr>
+        <p:blipFill>
+          <a:blip r:embed="rId2">
+            <a:extLst>
+              <a:ext uri="{28A0092B-C50C-407E-A947-70E740481C1C}">
+                <a14:useLocalDpi xmlns:a14="http://schemas.microsoft.com/office/drawing/2010/main" val="0"/>
+              </a:ext>
+            </a:extLst>
+          </a:blip>
+          <a:srcRect/>
+          <a:stretch>
+            <a:fillRect/>
+          </a:stretch>
+        </p:blipFill>
+        <p:spPr bwMode="auto">
+          <a:xfrm>
+            <a:off x="7020272" y="4869160"/>
+            <a:ext cx="1743075" cy="1543050"/>
+          </a:xfrm>
+          <a:prstGeom prst="rect">
+            <a:avLst/>
+          </a:prstGeom>
+          <a:noFill/>
+          <a:ln>
+            <a:noFill/>
+          </a:ln>
+          <a:extLst>
+            <a:ext uri="{909E8E84-426E-40DD-AFC4-6F175D3DCCD1}">
+              <a14:hiddenFill xmlns:a14="http://schemas.microsoft.com/office/drawing/2010/main">
+                <a:solidFill>
+                  <a:schemeClr val="accent1"/>
+                </a:solidFill>
+              </a14:hiddenFill>
+            </a:ext>
+            <a:ext uri="{91240B29-F687-4F45-9708-019B960494DF}">
+              <a14:hiddenLine xmlns:a14="http://schemas.microsoft.com/office/drawing/2010/main" w="9525">
+                <a:solidFill>
+                  <a:schemeClr val="tx1"/>
+                </a:solidFill>
+                <a:miter lim="800000"/>
+                <a:headEnd/>
+                <a:tailEnd/>
+              </a14:hiddenLine>
+            </a:ext>
+          </a:extLst>
+        </p:spPr>
+      </p:pic>
+    </p:spTree>
+    <p:extLst>
+      <p:ext uri="{BB962C8B-B14F-4D97-AF65-F5344CB8AC3E}">
+        <p14:creationId xmlns:p14="http://schemas.microsoft.com/office/powerpoint/2010/main" val="559257758"/>
+      </p:ext>
+    </p:extLst>
+  </p:cSld>
+  <p:clrMapOvr>
+    <a:masterClrMapping/>
+  </p:clrMapOvr>
+  <p:timing>
+    <p:tnLst>
+      <p:par>
+        <p:cTn id="1" dur="indefinite" restart="never" nodeType="tmRoot"/>
+      </p:par>
+    </p:tnLst>
+  </p:timing>
+</p:sld>
+</file>
+
+<file path=ppt/slides/slide4.xml><?xml version="1.0" encoding="utf-8"?>
+<p:sld xmlns:a="http://schemas.openxmlformats.org/drawingml/2006/main" xmlns:r="http://schemas.openxmlformats.org/officeDocument/2006/relationships" xmlns:p="http://schemas.openxmlformats.org/presentationml/2006/main">
+  <p:cSld>
+    <p:spTree>
+      <p:nvGrpSpPr>
+        <p:cNvPr id="1" name=""/>
+        <p:cNvGrpSpPr/>
+        <p:nvPr/>
+      </p:nvGrpSpPr>
+      <p:grpSpPr>
+        <a:xfrm>
+          <a:off x="0" y="0"/>
+          <a:ext cx="0" cy="0"/>
+          <a:chOff x="0" y="0"/>
+          <a:chExt cx="0" cy="0"/>
+        </a:xfrm>
+      </p:grpSpPr>
+      <p:sp>
+        <p:nvSpPr>
+          <p:cNvPr id="2" name="Заголовок 1"/>
+          <p:cNvSpPr>
+            <a:spLocks noGrp="1"/>
+          </p:cNvSpPr>
+          <p:nvPr>
+            <p:ph type="title"/>
+          </p:nvPr>
+        </p:nvSpPr>
+        <p:spPr>
+          <a:xfrm>
+            <a:off x="457200" y="274638"/>
+            <a:ext cx="8229600" cy="1138138"/>
+          </a:xfrm>
+        </p:spPr>
+        <p:txBody>
+          <a:bodyPr>
+            <a:normAutofit fontScale="90000"/>
+          </a:bodyPr>
+          <a:lstStyle/>
+          <a:p>
+            <a:r>
+              <a:rPr lang="en-US" dirty="0" smtClean="0"/>
+              <a:t>Tools used:</a:t>
+            </a:r>
+            <a:br>
+              <a:rPr lang="en-US" dirty="0" smtClean="0"/>
+            </a:br>
+            <a:endParaRPr lang="ru-RU" dirty="0"/>
+          </a:p>
+        </p:txBody>
+      </p:sp>
+      <p:sp>
+        <p:nvSpPr>
+          <p:cNvPr id="3" name="Объект 2"/>
+          <p:cNvSpPr>
+            <a:spLocks noGrp="1"/>
+          </p:cNvSpPr>
+          <p:nvPr>
+            <p:ph idx="1"/>
+          </p:nvPr>
+        </p:nvSpPr>
+        <p:spPr/>
+        <p:txBody>
+          <a:bodyPr>
+            <a:normAutofit fontScale="85000" lnSpcReduction="20000"/>
+          </a:bodyPr>
+          <a:lstStyle/>
+          <a:p>
+            <a:r>
+              <a:rPr lang="en-US" dirty="0" smtClean="0"/>
+              <a:t>OC Microsoft Windows 10 (host computer).</a:t>
+            </a:r>
+          </a:p>
+          <a:p>
+            <a:r>
+              <a:rPr lang="en-US" dirty="0" smtClean="0"/>
+              <a:t>Vagrant by </a:t>
+            </a:r>
+            <a:r>
+              <a:rPr lang="en-US" dirty="0" err="1" smtClean="0"/>
+              <a:t>HashiCorp</a:t>
+            </a:r>
+            <a:r>
+              <a:rPr lang="en-US" dirty="0" smtClean="0"/>
+              <a:t>.</a:t>
+            </a:r>
+          </a:p>
+          <a:p>
+            <a:r>
+              <a:rPr lang="en-US" dirty="0" smtClean="0"/>
+              <a:t>Virtual Box Oracle VM:</a:t>
+            </a:r>
+          </a:p>
+          <a:p>
+            <a:pPr marL="0" indent="0">
+              <a:buNone/>
+            </a:pPr>
+            <a:r>
+              <a:rPr lang="en-US" dirty="0" smtClean="0"/>
+              <a:t>                 - Ubuntu 20.04 LTS (bridged):</a:t>
+            </a:r>
+          </a:p>
+          <a:p>
+            <a:pPr marL="0" indent="0">
+              <a:buNone/>
+            </a:pPr>
+            <a:r>
+              <a:rPr lang="en-US" dirty="0" smtClean="0"/>
+              <a:t>                          - Jenkins.</a:t>
+            </a:r>
+          </a:p>
+          <a:p>
+            <a:pPr marL="0" indent="0">
+              <a:buNone/>
+            </a:pPr>
+            <a:r>
+              <a:rPr lang="en-US" dirty="0" smtClean="0"/>
+              <a:t>                          - Docker:</a:t>
+            </a:r>
+          </a:p>
+          <a:p>
+            <a:pPr marL="0" indent="0">
+              <a:buNone/>
+            </a:pPr>
+            <a:r>
+              <a:rPr lang="en-US" dirty="0" smtClean="0"/>
+              <a:t>                                 - Apache Maven.</a:t>
+            </a:r>
+          </a:p>
+          <a:p>
+            <a:pPr marL="0" indent="0">
+              <a:buNone/>
+            </a:pPr>
+            <a:r>
+              <a:rPr lang="en-US" dirty="0"/>
+              <a:t> </a:t>
+            </a:r>
+            <a:r>
+              <a:rPr lang="en-US" dirty="0" smtClean="0"/>
+              <a:t>                         - Telegram Bot.</a:t>
+            </a:r>
+          </a:p>
+          <a:p>
+            <a:r>
+              <a:rPr lang="en-US" dirty="0" err="1" smtClean="0"/>
+              <a:t>Git</a:t>
+            </a:r>
+            <a:r>
+              <a:rPr lang="en-US" dirty="0" smtClean="0"/>
+              <a:t> hub</a:t>
+            </a:r>
+          </a:p>
+          <a:p>
+            <a:r>
+              <a:rPr lang="en-US" dirty="0" smtClean="0"/>
+              <a:t>Docker Hub</a:t>
+            </a:r>
+            <a:endParaRPr lang="ru-RU" dirty="0"/>
+          </a:p>
+        </p:txBody>
+      </p:sp>
+    </p:spTree>
+    <p:extLst>
+      <p:ext uri="{BB962C8B-B14F-4D97-AF65-F5344CB8AC3E}">
+        <p14:creationId xmlns:p14="http://schemas.microsoft.com/office/powerpoint/2010/main" val="4104500241"/>
+      </p:ext>
+    </p:extLst>
+  </p:cSld>
+  <p:clrMapOvr>
+    <a:masterClrMapping/>
+  </p:clrMapOvr>
+  <p:timing>
+    <p:tnLst>
+      <p:par>
+        <p:cTn id="1" dur="indefinite" restart="never" nodeType="tmRoot"/>
+      </p:par>
+    </p:tnLst>
+  </p:timing>
+</p:sld>
+</file>
+
+<file path=ppt/slides/slide5.xml><?xml version="1.0" encoding="utf-8"?>
+<p:sld xmlns:a="http://schemas.openxmlformats.org/drawingml/2006/main" xmlns:r="http://schemas.openxmlformats.org/officeDocument/2006/relationships" xmlns:p="http://schemas.openxmlformats.org/presentationml/2006/main">
+  <p:cSld>
+    <p:spTree>
+      <p:nvGrpSpPr>
+        <p:cNvPr id="1" name=""/>
+        <p:cNvGrpSpPr/>
+        <p:nvPr/>
+      </p:nvGrpSpPr>
+      <p:grpSpPr>
+        <a:xfrm>
+          <a:off x="0" y="0"/>
+          <a:ext cx="0" cy="0"/>
+          <a:chOff x="0" y="0"/>
+          <a:chExt cx="0" cy="0"/>
+        </a:xfrm>
+      </p:grpSpPr>
+      <p:sp>
+        <p:nvSpPr>
+          <p:cNvPr id="2" name="Заголовок 1"/>
+          <p:cNvSpPr>
+            <a:spLocks noGrp="1"/>
+          </p:cNvSpPr>
+          <p:nvPr>
+            <p:ph type="title"/>
+          </p:nvPr>
+        </p:nvSpPr>
+        <p:spPr/>
+        <p:txBody>
+          <a:bodyPr/>
+          <a:lstStyle/>
+          <a:p>
+            <a:r>
+              <a:rPr lang="en-US" dirty="0" smtClean="0"/>
+              <a:t>My pipeline</a:t>
+            </a:r>
+            <a:endParaRPr lang="ru-RU" dirty="0"/>
+          </a:p>
+        </p:txBody>
+      </p:sp>
+      <p:pic>
+        <p:nvPicPr>
+          <p:cNvPr id="2050" name="Picture 2"/>
+          <p:cNvPicPr>
+            <a:picLocks noChangeAspect="1" noChangeArrowheads="1"/>
+          </p:cNvPicPr>
+          <p:nvPr/>
+        </p:nvPicPr>
+        <p:blipFill rotWithShape="1">
+          <a:blip r:embed="rId2">
+            <a:extLst>
+              <a:ext uri="{28A0092B-C50C-407E-A947-70E740481C1C}">
+                <a14:useLocalDpi xmlns:a14="http://schemas.microsoft.com/office/drawing/2010/main" val="0"/>
+              </a:ext>
+            </a:extLst>
+          </a:blip>
+          <a:srcRect r="10614"/>
+          <a:stretch/>
+        </p:blipFill>
+        <p:spPr bwMode="auto">
+          <a:xfrm>
+            <a:off x="-18592" y="1559331"/>
+            <a:ext cx="9162592" cy="5155511"/>
+          </a:xfrm>
+          <a:prstGeom prst="rect">
+            <a:avLst/>
+          </a:prstGeom>
+          <a:noFill/>
+          <a:ln>
+            <a:noFill/>
+          </a:ln>
+          <a:extLst>
+            <a:ext uri="{909E8E84-426E-40DD-AFC4-6F175D3DCCD1}">
+              <a14:hiddenFill xmlns:a14="http://schemas.microsoft.com/office/drawing/2010/main">
+                <a:solidFill>
+                  <a:schemeClr val="accent1"/>
+                </a:solidFill>
+              </a14:hiddenFill>
+            </a:ext>
+            <a:ext uri="{91240B29-F687-4F45-9708-019B960494DF}">
+              <a14:hiddenLine xmlns:a14="http://schemas.microsoft.com/office/drawing/2010/main" w="9525">
+                <a:solidFill>
+                  <a:schemeClr val="tx1"/>
+                </a:solidFill>
+                <a:miter lim="800000"/>
+                <a:headEnd/>
+                <a:tailEnd/>
+              </a14:hiddenLine>
+            </a:ext>
+          </a:extLst>
+        </p:spPr>
+      </p:pic>
+    </p:spTree>
+    <p:extLst>
+      <p:ext uri="{BB962C8B-B14F-4D97-AF65-F5344CB8AC3E}">
+        <p14:creationId xmlns:p14="http://schemas.microsoft.com/office/powerpoint/2010/main" val="1391920752"/>
+      </p:ext>
+    </p:extLst>
+  </p:cSld>
+  <p:clrMapOvr>
+    <a:masterClrMapping/>
+  </p:clrMapOvr>
+  <p:timing>
+    <p:tnLst>
+      <p:par>
+        <p:cTn id="1" dur="indefinite" restart="never" nodeType="tmRoot"/>
+      </p:par>
+    </p:tnLst>
+  </p:timing>
+</p:sld>
+</file>
+
+<file path=ppt/slides/slide6.xml><?xml version="1.0" encoding="utf-8"?>
+<p:sld xmlns:a="http://schemas.openxmlformats.org/drawingml/2006/main" xmlns:r="http://schemas.openxmlformats.org/officeDocument/2006/relationships" xmlns:p="http://schemas.openxmlformats.org/presentationml/2006/main">
+  <p:cSld>
+    <p:spTree>
+      <p:nvGrpSpPr>
+        <p:cNvPr id="1" name=""/>
+        <p:cNvGrpSpPr/>
+        <p:nvPr/>
+      </p:nvGrpSpPr>
+      <p:grpSpPr>
+        <a:xfrm>
+          <a:off x="0" y="0"/>
+          <a:ext cx="0" cy="0"/>
+          <a:chOff x="0" y="0"/>
+          <a:chExt cx="0" cy="0"/>
+        </a:xfrm>
+      </p:grpSpPr>
+      <p:sp>
+        <p:nvSpPr>
+          <p:cNvPr id="2" name="Заголовок 1"/>
+          <p:cNvSpPr>
+            <a:spLocks noGrp="1"/>
+          </p:cNvSpPr>
+          <p:nvPr>
+            <p:ph type="title"/>
+          </p:nvPr>
+        </p:nvSpPr>
+        <p:spPr/>
+        <p:txBody>
+          <a:bodyPr/>
+          <a:lstStyle/>
+          <a:p>
+            <a:r>
+              <a:rPr lang="en-US" i="1" dirty="0" smtClean="0"/>
+              <a:t>CI (</a:t>
+            </a:r>
+            <a:r>
+              <a:rPr lang="en-US" i="1" dirty="0"/>
+              <a:t>continuous integration</a:t>
+            </a:r>
+            <a:r>
+              <a:rPr lang="en-US" i="1" dirty="0" smtClean="0"/>
+              <a:t>) process</a:t>
+            </a:r>
+            <a:endParaRPr lang="ru-RU" i="1" dirty="0"/>
+          </a:p>
+        </p:txBody>
+      </p:sp>
+      <p:sp>
+        <p:nvSpPr>
+          <p:cNvPr id="3" name="Объект 2"/>
+          <p:cNvSpPr>
+            <a:spLocks noGrp="1"/>
+          </p:cNvSpPr>
+          <p:nvPr>
+            <p:ph idx="1"/>
+          </p:nvPr>
+        </p:nvSpPr>
+        <p:spPr/>
+        <p:txBody>
+          <a:bodyPr/>
+          <a:lstStyle/>
+          <a:p>
+            <a:r>
+              <a:rPr lang="en-US" dirty="0"/>
+              <a:t>The developer pushes the code to </a:t>
+            </a:r>
+            <a:r>
+              <a:rPr lang="en-US" dirty="0" err="1"/>
+              <a:t>Git</a:t>
+            </a:r>
+            <a:r>
+              <a:rPr lang="en-US" dirty="0"/>
+              <a:t> HUB.</a:t>
+            </a:r>
+          </a:p>
+          <a:p>
+            <a:r>
+              <a:rPr lang="en-US" dirty="0"/>
+              <a:t>Jenkins job sends a request to GIT HUB 1 time per minute. When it sees the changes in the repository, the pipeline will start.</a:t>
+            </a:r>
+          </a:p>
+          <a:p>
+            <a:r>
+              <a:rPr lang="en-US" dirty="0"/>
+              <a:t>The job starts a Docker container with Maven that builds and tests the project.</a:t>
+            </a:r>
+          </a:p>
+          <a:p>
+            <a:r>
+              <a:rPr lang="en-US" dirty="0"/>
+              <a:t>The result of the CI process is ARTIFACT.</a:t>
+            </a:r>
+            <a:endParaRPr lang="ru-RU" dirty="0"/>
+          </a:p>
+        </p:txBody>
+      </p:sp>
+    </p:spTree>
+    <p:extLst>
+      <p:ext uri="{BB962C8B-B14F-4D97-AF65-F5344CB8AC3E}">
+        <p14:creationId xmlns:p14="http://schemas.microsoft.com/office/powerpoint/2010/main" val="3556005886"/>
+      </p:ext>
+    </p:extLst>
+  </p:cSld>
+  <p:clrMapOvr>
+    <a:masterClrMapping/>
+  </p:clrMapOvr>
+  <p:timing>
+    <p:tnLst>
+      <p:par>
+        <p:cTn id="1" dur="indefinite" restart="never" nodeType="tmRoot"/>
+      </p:par>
+    </p:tnLst>
+  </p:timing>
+</p:sld>
+</file>
+
+<file path=ppt/slides/slide7.xml><?xml version="1.0" encoding="utf-8"?>
+<p:sld xmlns:a="http://schemas.openxmlformats.org/drawingml/2006/main" xmlns:r="http://schemas.openxmlformats.org/officeDocument/2006/relationships" xmlns:p="http://schemas.openxmlformats.org/presentationml/2006/main">
+  <p:cSld>
+    <p:spTree>
+      <p:nvGrpSpPr>
+        <p:cNvPr id="1" name=""/>
+        <p:cNvGrpSpPr/>
+        <p:nvPr/>
+      </p:nvGrpSpPr>
+      <p:grpSpPr>
+        <a:xfrm>
+          <a:off x="0" y="0"/>
+          <a:ext cx="0" cy="0"/>
+          <a:chOff x="0" y="0"/>
+          <a:chExt cx="0" cy="0"/>
+        </a:xfrm>
+      </p:grpSpPr>
+      <p:sp>
+        <p:nvSpPr>
+          <p:cNvPr id="2" name="Заголовок 1"/>
+          <p:cNvSpPr>
+            <a:spLocks noGrp="1"/>
+          </p:cNvSpPr>
+          <p:nvPr>
+            <p:ph type="title"/>
+          </p:nvPr>
+        </p:nvSpPr>
+        <p:spPr/>
+        <p:txBody>
+          <a:bodyPr/>
+          <a:lstStyle/>
+          <a:p>
+            <a:r>
+              <a:rPr lang="en-US" dirty="0" smtClean="0"/>
+              <a:t>CD (</a:t>
+            </a:r>
+            <a:r>
+              <a:rPr lang="en-US" i="1" dirty="0"/>
+              <a:t>continuous delivery</a:t>
+            </a:r>
+            <a:r>
+              <a:rPr lang="en-US" dirty="0" smtClean="0"/>
+              <a:t>) process</a:t>
+            </a:r>
+            <a:endParaRPr lang="ru-RU" dirty="0"/>
+          </a:p>
+        </p:txBody>
+      </p:sp>
+      <p:sp>
+        <p:nvSpPr>
+          <p:cNvPr id="3" name="Объект 2"/>
+          <p:cNvSpPr>
+            <a:spLocks noGrp="1"/>
+          </p:cNvSpPr>
+          <p:nvPr>
+            <p:ph idx="1"/>
+          </p:nvPr>
+        </p:nvSpPr>
+        <p:spPr/>
+        <p:txBody>
+          <a:bodyPr/>
+          <a:lstStyle/>
+          <a:p>
+            <a:r>
+              <a:rPr lang="en-US" dirty="0"/>
+              <a:t>In the current pipeline, delivery starts with building the </a:t>
+            </a:r>
+            <a:r>
+              <a:rPr lang="en-US" dirty="0" err="1"/>
+              <a:t>docker</a:t>
+            </a:r>
+            <a:r>
+              <a:rPr lang="en-US" dirty="0"/>
+              <a:t> image.</a:t>
+            </a:r>
+          </a:p>
+          <a:p>
+            <a:r>
+              <a:rPr lang="en-US" dirty="0"/>
+              <a:t>When the image is ready, it is sent to Docker Hub.</a:t>
+            </a:r>
+          </a:p>
+          <a:p>
+            <a:r>
+              <a:rPr lang="en-US" dirty="0"/>
+              <a:t>From Docker Hub, the image can be pushed to the QA environment, to the stage/production server.</a:t>
+            </a:r>
+            <a:endParaRPr lang="ru-RU" dirty="0"/>
+          </a:p>
+        </p:txBody>
+      </p:sp>
+    </p:spTree>
+    <p:extLst>
+      <p:ext uri="{BB962C8B-B14F-4D97-AF65-F5344CB8AC3E}">
+        <p14:creationId xmlns:p14="http://schemas.microsoft.com/office/powerpoint/2010/main" val="1345975833"/>
+      </p:ext>
+    </p:extLst>
+  </p:cSld>
+  <p:clrMapOvr>
+    <a:masterClrMapping/>
+  </p:clrMapOvr>
+</p:sld>
+</file>
+
+<file path=ppt/slides/slide8.xml><?xml version="1.0" encoding="utf-8"?>
+<p:sld xmlns:a="http://schemas.openxmlformats.org/drawingml/2006/main" xmlns:r="http://schemas.openxmlformats.org/officeDocument/2006/relationships" xmlns:p="http://schemas.openxmlformats.org/presentationml/2006/main">
+  <p:cSld>
+    <p:spTree>
+      <p:nvGrpSpPr>
+        <p:cNvPr id="1" name=""/>
+        <p:cNvGrpSpPr/>
+        <p:nvPr/>
+      </p:nvGrpSpPr>
+      <p:grpSpPr>
+        <a:xfrm>
+          <a:off x="0" y="0"/>
+          <a:ext cx="0" cy="0"/>
+          <a:chOff x="0" y="0"/>
+          <a:chExt cx="0" cy="0"/>
+        </a:xfrm>
+      </p:grpSpPr>
+      <p:pic>
+        <p:nvPicPr>
+          <p:cNvPr id="3077" name="Picture 5"/>
+          <p:cNvPicPr>
+            <a:picLocks noChangeAspect="1" noChangeArrowheads="1"/>
+          </p:cNvPicPr>
+          <p:nvPr/>
+        </p:nvPicPr>
+        <p:blipFill>
+          <a:blip r:embed="rId2">
+            <a:extLst>
+              <a:ext uri="{28A0092B-C50C-407E-A947-70E740481C1C}">
+                <a14:useLocalDpi xmlns:a14="http://schemas.microsoft.com/office/drawing/2010/main" val="0"/>
+              </a:ext>
+            </a:extLst>
+          </a:blip>
+          <a:srcRect/>
+          <a:stretch>
+            <a:fillRect/>
+          </a:stretch>
+        </p:blipFill>
+        <p:spPr bwMode="auto">
+          <a:xfrm>
+            <a:off x="107504" y="3586424"/>
+            <a:ext cx="6942162" cy="2305050"/>
+          </a:xfrm>
+          <a:prstGeom prst="rect">
+            <a:avLst/>
+          </a:prstGeom>
+          <a:noFill/>
+          <a:ln>
+            <a:noFill/>
+          </a:ln>
+          <a:extLst>
+            <a:ext uri="{909E8E84-426E-40DD-AFC4-6F175D3DCCD1}">
+              <a14:hiddenFill xmlns:a14="http://schemas.microsoft.com/office/drawing/2010/main">
+                <a:solidFill>
+                  <a:schemeClr val="accent1"/>
+                </a:solidFill>
+              </a14:hiddenFill>
+            </a:ext>
+            <a:ext uri="{91240B29-F687-4F45-9708-019B960494DF}">
+              <a14:hiddenLine xmlns:a14="http://schemas.microsoft.com/office/drawing/2010/main" w="9525">
+                <a:solidFill>
+                  <a:schemeClr val="tx1"/>
+                </a:solidFill>
+                <a:miter lim="800000"/>
+                <a:headEnd/>
+                <a:tailEnd/>
+              </a14:hiddenLine>
+            </a:ext>
+          </a:extLst>
+        </p:spPr>
+      </p:pic>
+      <p:pic>
+        <p:nvPicPr>
+          <p:cNvPr id="3078" name="Picture 6"/>
+          <p:cNvPicPr>
+            <a:picLocks noChangeAspect="1" noChangeArrowheads="1"/>
+          </p:cNvPicPr>
+          <p:nvPr/>
+        </p:nvPicPr>
+        <p:blipFill>
+          <a:blip r:embed="rId3">
+            <a:extLst>
+              <a:ext uri="{28A0092B-C50C-407E-A947-70E740481C1C}">
+                <a14:useLocalDpi xmlns:a14="http://schemas.microsoft.com/office/drawing/2010/main" val="0"/>
+              </a:ext>
+            </a:extLst>
+          </a:blip>
+          <a:srcRect/>
+          <a:stretch>
+            <a:fillRect/>
+          </a:stretch>
+        </p:blipFill>
+        <p:spPr bwMode="auto">
+          <a:xfrm>
+            <a:off x="104947" y="5865225"/>
+            <a:ext cx="8964488" cy="732127"/>
+          </a:xfrm>
+          <a:prstGeom prst="rect">
+            <a:avLst/>
+          </a:prstGeom>
+          <a:noFill/>
+          <a:ln>
+            <a:noFill/>
+          </a:ln>
+          <a:extLst>
+            <a:ext uri="{909E8E84-426E-40DD-AFC4-6F175D3DCCD1}">
+              <a14:hiddenFill xmlns:a14="http://schemas.microsoft.com/office/drawing/2010/main">
+                <a:solidFill>
+                  <a:schemeClr val="accent1"/>
+                </a:solidFill>
+              </a14:hiddenFill>
+            </a:ext>
+            <a:ext uri="{91240B29-F687-4F45-9708-019B960494DF}">
+              <a14:hiddenLine xmlns:a14="http://schemas.microsoft.com/office/drawing/2010/main" w="9525">
+                <a:solidFill>
+                  <a:schemeClr val="tx1"/>
+                </a:solidFill>
+                <a:miter lim="800000"/>
+                <a:headEnd/>
+                <a:tailEnd/>
+              </a14:hiddenLine>
+            </a:ext>
+          </a:extLst>
+        </p:spPr>
+      </p:pic>
+      <p:pic>
+        <p:nvPicPr>
+          <p:cNvPr id="2050" name="Picture 2"/>
+          <p:cNvPicPr>
+            <a:picLocks noChangeAspect="1" noChangeArrowheads="1"/>
+          </p:cNvPicPr>
+          <p:nvPr/>
+        </p:nvPicPr>
+        <p:blipFill>
+          <a:blip r:embed="rId4">
+            <a:extLst>
+              <a:ext uri="{28A0092B-C50C-407E-A947-70E740481C1C}">
+                <a14:useLocalDpi xmlns:a14="http://schemas.microsoft.com/office/drawing/2010/main" val="0"/>
+              </a:ext>
+            </a:extLst>
+          </a:blip>
+          <a:srcRect/>
+          <a:stretch>
+            <a:fillRect/>
+          </a:stretch>
+        </p:blipFill>
+        <p:spPr bwMode="auto">
+          <a:xfrm>
+            <a:off x="122914" y="1916832"/>
+            <a:ext cx="6033262" cy="1669592"/>
+          </a:xfrm>
+          <a:prstGeom prst="rect">
+            <a:avLst/>
+          </a:prstGeom>
+          <a:noFill/>
+          <a:ln>
+            <a:noFill/>
+          </a:ln>
+          <a:extLst>
+            <a:ext uri="{909E8E84-426E-40DD-AFC4-6F175D3DCCD1}">
+              <a14:hiddenFill xmlns:a14="http://schemas.microsoft.com/office/drawing/2010/main">
+                <a:solidFill>
+                  <a:schemeClr val="accent1"/>
+                </a:solidFill>
+              </a14:hiddenFill>
+            </a:ext>
+            <a:ext uri="{91240B29-F687-4F45-9708-019B960494DF}">
+              <a14:hiddenLine xmlns:a14="http://schemas.microsoft.com/office/drawing/2010/main" w="9525">
+                <a:solidFill>
+                  <a:schemeClr val="tx1"/>
+                </a:solidFill>
+                <a:miter lim="800000"/>
+                <a:headEnd/>
+                <a:tailEnd/>
+              </a14:hiddenLine>
+            </a:ext>
+          </a:extLst>
+        </p:spPr>
+      </p:pic>
+      <p:pic>
+        <p:nvPicPr>
+          <p:cNvPr id="3075" name="Picture 3"/>
+          <p:cNvPicPr>
+            <a:picLocks noChangeAspect="1" noChangeArrowheads="1"/>
+          </p:cNvPicPr>
+          <p:nvPr/>
+        </p:nvPicPr>
+        <p:blipFill>
+          <a:blip r:embed="rId5">
+            <a:extLst>
+              <a:ext uri="{28A0092B-C50C-407E-A947-70E740481C1C}">
+                <a14:useLocalDpi xmlns:a14="http://schemas.microsoft.com/office/drawing/2010/main" val="0"/>
+              </a:ext>
+            </a:extLst>
+          </a:blip>
+          <a:srcRect/>
+          <a:stretch>
+            <a:fillRect/>
+          </a:stretch>
+        </p:blipFill>
+        <p:spPr bwMode="auto">
+          <a:xfrm>
+            <a:off x="1115616" y="0"/>
+            <a:ext cx="7781925" cy="2343150"/>
+          </a:xfrm>
+          <a:prstGeom prst="rect">
+            <a:avLst/>
+          </a:prstGeom>
+          <a:noFill/>
+          <a:ln>
+            <a:noFill/>
+          </a:ln>
+          <a:extLst>
+            <a:ext uri="{909E8E84-426E-40DD-AFC4-6F175D3DCCD1}">
+              <a14:hiddenFill xmlns:a14="http://schemas.microsoft.com/office/drawing/2010/main">
+                <a:solidFill>
+                  <a:schemeClr val="accent1"/>
+                </a:solidFill>
+              </a14:hiddenFill>
+            </a:ext>
+            <a:ext uri="{91240B29-F687-4F45-9708-019B960494DF}">
+              <a14:hiddenLine xmlns:a14="http://schemas.microsoft.com/office/drawing/2010/main" w="9525">
+                <a:solidFill>
+                  <a:schemeClr val="tx1"/>
+                </a:solidFill>
+                <a:miter lim="800000"/>
+                <a:headEnd/>
+                <a:tailEnd/>
+              </a14:hiddenLine>
+            </a:ext>
+          </a:extLst>
+        </p:spPr>
+      </p:pic>
+    </p:spTree>
+    <p:extLst>
+      <p:ext uri="{BB962C8B-B14F-4D97-AF65-F5344CB8AC3E}">
+        <p14:creationId xmlns:p14="http://schemas.microsoft.com/office/powerpoint/2010/main" val="3607193971"/>
+      </p:ext>
+    </p:extLst>
+  </p:cSld>
+  <p:clrMapOvr>
+    <a:masterClrMapping/>
+  </p:clrMapOvr>
+  <p:timing>
+    <p:tnLst>
+      <p:par>
+        <p:cTn id="1" dur="indefinite" restart="never" nodeType="tmRoot"/>
+      </p:par>
+    </p:tnLst>
+  </p:timing>
+</p:sld>
+</file>
+
+<file path=ppt/slides/slide9.xml><?xml version="1.0" encoding="utf-8"?>
+<p:sld xmlns:a="http://schemas.openxmlformats.org/drawingml/2006/main" xmlns:r="http://schemas.openxmlformats.org/officeDocument/2006/relationships" xmlns:p="http://schemas.openxmlformats.org/presentationml/2006/main">
+  <p:cSld>
+    <p:spTree>
+      <p:nvGrpSpPr>
+        <p:cNvPr id="1" name=""/>
+        <p:cNvGrpSpPr/>
+        <p:nvPr/>
+      </p:nvGrpSpPr>
+      <p:grpSpPr>
+        <a:xfrm>
+          <a:off x="0" y="0"/>
+          <a:ext cx="0" cy="0"/>
+          <a:chOff x="0" y="0"/>
+          <a:chExt cx="0" cy="0"/>
+        </a:xfrm>
+      </p:grpSpPr>
+      <p:pic>
+        <p:nvPicPr>
+          <p:cNvPr id="3074" name="Picture 2"/>
+          <p:cNvPicPr>
+            <a:picLocks noChangeAspect="1" noChangeArrowheads="1"/>
+          </p:cNvPicPr>
+          <p:nvPr/>
+        </p:nvPicPr>
+        <p:blipFill>
+          <a:blip r:embed="rId2">
+            <a:extLst>
+              <a:ext uri="{28A0092B-C50C-407E-A947-70E740481C1C}">
+                <a14:useLocalDpi xmlns:a14="http://schemas.microsoft.com/office/drawing/2010/main" val="0"/>
+              </a:ext>
+            </a:extLst>
+          </a:blip>
+          <a:srcRect/>
+          <a:stretch>
+            <a:fillRect/>
+          </a:stretch>
+        </p:blipFill>
+        <p:spPr bwMode="auto">
+          <a:xfrm>
+            <a:off x="310193" y="71030"/>
+            <a:ext cx="8582287" cy="6670338"/>
+          </a:xfrm>
+          <a:prstGeom prst="rect">
+            <a:avLst/>
+          </a:prstGeom>
+          <a:noFill/>
+          <a:ln>
+            <a:noFill/>
+          </a:ln>
+          <a:extLst>
+            <a:ext uri="{909E8E84-426E-40DD-AFC4-6F175D3DCCD1}">
+              <a14:hiddenFill xmlns:a14="http://schemas.microsoft.com/office/drawing/2010/main">
+                <a:solidFill>
+                  <a:schemeClr val="accent1"/>
+                </a:solidFill>
+              </a14:hiddenFill>
+            </a:ext>
+            <a:ext uri="{91240B29-F687-4F45-9708-019B960494DF}">
+              <a14:hiddenLine xmlns:a14="http://schemas.microsoft.com/office/drawing/2010/main" w="9525">
+                <a:solidFill>
+                  <a:schemeClr val="tx1"/>
+                </a:solidFill>
+                <a:miter lim="800000"/>
+                <a:headEnd/>
+                <a:tailEnd/>
+              </a14:hiddenLine>
+            </a:ext>
+          </a:extLst>
+        </p:spPr>
+      </p:pic>
+    </p:spTree>
+    <p:extLst>
+      <p:ext uri="{BB962C8B-B14F-4D97-AF65-F5344CB8AC3E}">
+        <p14:creationId xmlns:p14="http://schemas.microsoft.com/office/powerpoint/2010/main" val="2320452888"/>
+      </p:ext>
+    </p:extLst>
+  </p:cSld>
+  <p:clrMapOvr>
+    <a:masterClrMapping/>
+  </p:clrMapOvr>
 </p:sld>
 </file>
 

--- a/Final Project/Shortly about project.pptx
+++ b/Final Project/Shortly about project.pptx
@@ -319,7 +319,7 @@
           <a:p>
             <a:fld id="{9645A453-BED6-4EFE-ADB1-FEC77425CCCD}" type="datetimeFigureOut">
               <a:rPr lang="ru-RU" smtClean="0"/>
-              <a:t>13.02.2022</a:t>
+              <a:t>15.02.2022</a:t>
             </a:fld>
             <a:endParaRPr lang="ru-RU"/>
           </a:p>
@@ -489,7 +489,7 @@
           <a:p>
             <a:fld id="{9645A453-BED6-4EFE-ADB1-FEC77425CCCD}" type="datetimeFigureOut">
               <a:rPr lang="ru-RU" smtClean="0"/>
-              <a:t>13.02.2022</a:t>
+              <a:t>15.02.2022</a:t>
             </a:fld>
             <a:endParaRPr lang="ru-RU"/>
           </a:p>
@@ -669,7 +669,7 @@
           <a:p>
             <a:fld id="{9645A453-BED6-4EFE-ADB1-FEC77425CCCD}" type="datetimeFigureOut">
               <a:rPr lang="ru-RU" smtClean="0"/>
-              <a:t>13.02.2022</a:t>
+              <a:t>15.02.2022</a:t>
             </a:fld>
             <a:endParaRPr lang="ru-RU"/>
           </a:p>
@@ -839,7 +839,7 @@
           <a:p>
             <a:fld id="{9645A453-BED6-4EFE-ADB1-FEC77425CCCD}" type="datetimeFigureOut">
               <a:rPr lang="ru-RU" smtClean="0"/>
-              <a:t>13.02.2022</a:t>
+              <a:t>15.02.2022</a:t>
             </a:fld>
             <a:endParaRPr lang="ru-RU"/>
           </a:p>
@@ -1085,7 +1085,7 @@
           <a:p>
             <a:fld id="{9645A453-BED6-4EFE-ADB1-FEC77425CCCD}" type="datetimeFigureOut">
               <a:rPr lang="ru-RU" smtClean="0"/>
-              <a:t>13.02.2022</a:t>
+              <a:t>15.02.2022</a:t>
             </a:fld>
             <a:endParaRPr lang="ru-RU"/>
           </a:p>
@@ -1373,7 +1373,7 @@
           <a:p>
             <a:fld id="{9645A453-BED6-4EFE-ADB1-FEC77425CCCD}" type="datetimeFigureOut">
               <a:rPr lang="ru-RU" smtClean="0"/>
-              <a:t>13.02.2022</a:t>
+              <a:t>15.02.2022</a:t>
             </a:fld>
             <a:endParaRPr lang="ru-RU"/>
           </a:p>
@@ -1795,7 +1795,7 @@
           <a:p>
             <a:fld id="{9645A453-BED6-4EFE-ADB1-FEC77425CCCD}" type="datetimeFigureOut">
               <a:rPr lang="ru-RU" smtClean="0"/>
-              <a:t>13.02.2022</a:t>
+              <a:t>15.02.2022</a:t>
             </a:fld>
             <a:endParaRPr lang="ru-RU"/>
           </a:p>
@@ -1913,7 +1913,7 @@
           <a:p>
             <a:fld id="{9645A453-BED6-4EFE-ADB1-FEC77425CCCD}" type="datetimeFigureOut">
               <a:rPr lang="ru-RU" smtClean="0"/>
-              <a:t>13.02.2022</a:t>
+              <a:t>15.02.2022</a:t>
             </a:fld>
             <a:endParaRPr lang="ru-RU"/>
           </a:p>
@@ -2008,7 +2008,7 @@
           <a:p>
             <a:fld id="{9645A453-BED6-4EFE-ADB1-FEC77425CCCD}" type="datetimeFigureOut">
               <a:rPr lang="ru-RU" smtClean="0"/>
-              <a:t>13.02.2022</a:t>
+              <a:t>15.02.2022</a:t>
             </a:fld>
             <a:endParaRPr lang="ru-RU"/>
           </a:p>
@@ -2285,7 +2285,7 @@
           <a:p>
             <a:fld id="{9645A453-BED6-4EFE-ADB1-FEC77425CCCD}" type="datetimeFigureOut">
               <a:rPr lang="ru-RU" smtClean="0"/>
-              <a:t>13.02.2022</a:t>
+              <a:t>15.02.2022</a:t>
             </a:fld>
             <a:endParaRPr lang="ru-RU"/>
           </a:p>
@@ -2538,7 +2538,7 @@
           <a:p>
             <a:fld id="{9645A453-BED6-4EFE-ADB1-FEC77425CCCD}" type="datetimeFigureOut">
               <a:rPr lang="ru-RU" smtClean="0"/>
-              <a:t>13.02.2022</a:t>
+              <a:t>15.02.2022</a:t>
             </a:fld>
             <a:endParaRPr lang="ru-RU"/>
           </a:p>
@@ -2751,7 +2751,7 @@
           <a:p>
             <a:fld id="{9645A453-BED6-4EFE-ADB1-FEC77425CCCD}" type="datetimeFigureOut">
               <a:rPr lang="ru-RU" smtClean="0"/>
-              <a:t>13.02.2022</a:t>
+              <a:t>15.02.2022</a:t>
             </a:fld>
             <a:endParaRPr lang="ru-RU"/>
           </a:p>
@@ -3835,17 +3835,45 @@
           <a:p>
             <a:r>
               <a:rPr lang="en-US" dirty="0" smtClean="0"/>
-              <a:t>I have a resource limit (time, money, equipment, experience…), what tools can I use?</a:t>
-            </a:r>
-          </a:p>
-          <a:p>
-            <a:r>
-              <a:rPr lang="en-US" smtClean="0"/>
-              <a:t>Location </a:t>
+              <a:t>I have a resource limit (time, money, equipment, experience…), </a:t>
+            </a:r>
+            <a:r>
+              <a:rPr lang="en-US" dirty="0" smtClean="0"/>
+              <a:t>for this </a:t>
+            </a:r>
+            <a:r>
+              <a:rPr lang="en-US" dirty="0" err="1" smtClean="0"/>
+              <a:t>reson</a:t>
+            </a:r>
+            <a:r>
+              <a:rPr lang="en-US" dirty="0" smtClean="0"/>
+              <a:t> what </a:t>
+            </a:r>
+            <a:r>
+              <a:rPr lang="en-US" dirty="0" smtClean="0"/>
+              <a:t>tools can I use?</a:t>
+            </a:r>
+          </a:p>
+          <a:p>
+            <a:r>
+              <a:rPr lang="en-US" dirty="0" smtClean="0"/>
+              <a:t>What l</a:t>
+            </a:r>
+            <a:r>
+              <a:rPr lang="en-US" dirty="0" smtClean="0"/>
+              <a:t>ocation </a:t>
             </a:r>
             <a:r>
               <a:rPr lang="en-US" dirty="0"/>
-              <a:t>of the servers, services, type of network (Cloud solutions, </a:t>
+              <a:t>of the servers, services, </a:t>
+            </a:r>
+            <a:r>
+              <a:rPr lang="en-US" dirty="0" smtClean="0"/>
+              <a:t>network type should I choose? </a:t>
+            </a:r>
+            <a:r>
+              <a:rPr lang="en-US" dirty="0"/>
+              <a:t>(Cloud solutions, </a:t>
             </a:r>
             <a:r>
               <a:rPr lang="en-US" dirty="0" err="1"/>
@@ -3868,25 +3896,54 @@
           <a:p>
             <a:r>
               <a:rPr lang="en-US" dirty="0" smtClean="0"/>
-              <a:t>How can Jenkins know about a new commit in the repository (push and pull paths)?</a:t>
-            </a:r>
-          </a:p>
-          <a:p>
+              <a:t>How can Jenkins know about a new commit in the repository </a:t>
+            </a:r>
             <a:r>
               <a:rPr lang="en-US" dirty="0" smtClean="0"/>
-              <a:t>I need a reproducible and fast infrastructure creation with backup.</a:t>
-            </a:r>
-          </a:p>
-          <a:p>
+              <a:t>(</a:t>
+            </a:r>
+            <a:r>
+              <a:rPr lang="en-US" dirty="0" err="1" smtClean="0"/>
+              <a:t>webhook</a:t>
+            </a:r>
             <a:r>
               <a:rPr lang="en-US" dirty="0" smtClean="0"/>
-              <a:t>I need to have pipeline status notifications.</a:t>
-            </a:r>
-          </a:p>
-          <a:p>
+              <a:t> or </a:t>
+            </a:r>
             <a:r>
               <a:rPr lang="en-US" dirty="0" smtClean="0"/>
-              <a:t>The whole process must be secure.</a:t>
+              <a:t>pull paths)?</a:t>
+            </a:r>
+          </a:p>
+          <a:p>
+            <a:r>
+              <a:rPr lang="en-US" dirty="0" smtClean="0"/>
+              <a:t>I need a reproducible and fast </a:t>
+            </a:r>
+            <a:r>
+              <a:rPr lang="en-US" dirty="0" smtClean="0"/>
+              <a:t>creation of infrastructure  </a:t>
+            </a:r>
+            <a:r>
+              <a:rPr lang="en-US" dirty="0" smtClean="0"/>
+              <a:t>with backup.</a:t>
+            </a:r>
+          </a:p>
+          <a:p>
+            <a:r>
+              <a:rPr lang="en-US" dirty="0" smtClean="0"/>
+              <a:t>I need to </a:t>
+            </a:r>
+            <a:r>
+              <a:rPr lang="en-US" dirty="0" smtClean="0"/>
+              <a:t>be notified about the state of the pipeline.</a:t>
+            </a:r>
+            <a:endParaRPr lang="en-US" dirty="0" smtClean="0"/>
+          </a:p>
+          <a:p>
+            <a:r>
+              <a:rPr lang="en-US" dirty="0" smtClean="0"/>
+              <a:t>I need the secure process.</a:t>
             </a:r>
             <a:endParaRPr lang="ru-RU" dirty="0"/>
           </a:p>
@@ -3901,7 +3958,7 @@
           <p:nvPr/>
         </p:nvPicPr>
         <p:blipFill>
-          <a:blip r:embed="rId2">
+          <a:blip r:embed="rId2" cstate="print">
             <a:extLst>
               <a:ext uri="{28A0092B-C50C-407E-A947-70E740481C1C}">
                 <a14:useLocalDpi xmlns:a14="http://schemas.microsoft.com/office/drawing/2010/main" val="0"/>
@@ -3915,8 +3972,8 @@
         </p:blipFill>
         <p:spPr bwMode="auto">
           <a:xfrm>
-            <a:off x="7020272" y="4869160"/>
-            <a:ext cx="1743075" cy="1543050"/>
+            <a:off x="7164288" y="5373216"/>
+            <a:ext cx="1269489" cy="1123810"/>
           </a:xfrm>
           <a:prstGeom prst="rect">
             <a:avLst/>

--- a/Final Project/Shortly about project.pptx
+++ b/Final Project/Shortly about project.pptx
@@ -3657,6 +3657,13 @@
   <p:clrMapOvr>
     <a:masterClrMapping/>
   </p:clrMapOvr>
+  <p:timing>
+    <p:tnLst>
+      <p:par>
+        <p:cTn id="1" dur="indefinite" restart="never" nodeType="tmRoot"/>
+      </p:par>
+    </p:tnLst>
+  </p:timing>
 </p:sld>
 </file>
 
@@ -3835,11 +3842,7 @@
           <a:p>
             <a:r>
               <a:rPr lang="en-US" dirty="0" smtClean="0"/>
-              <a:t>I have a resource limit (time, money, equipment, experience…), </a:t>
-            </a:r>
-            <a:r>
-              <a:rPr lang="en-US" dirty="0" smtClean="0"/>
-              <a:t>for this </a:t>
+              <a:t>I have a resource limit (time, money, equipment, experience…), for this </a:t>
             </a:r>
             <a:r>
               <a:rPr lang="en-US" dirty="0" err="1" smtClean="0"/>
@@ -3847,21 +3850,13 @@
             </a:r>
             <a:r>
               <a:rPr lang="en-US" dirty="0" smtClean="0"/>
-              <a:t> what </a:t>
-            </a:r>
+              <a:t> what tools can I use?</a:t>
+            </a:r>
+          </a:p>
+          <a:p>
             <a:r>
               <a:rPr lang="en-US" dirty="0" smtClean="0"/>
-              <a:t>tools can I use?</a:t>
-            </a:r>
-          </a:p>
-          <a:p>
-            <a:r>
-              <a:rPr lang="en-US" dirty="0" smtClean="0"/>
-              <a:t>What l</a:t>
-            </a:r>
-            <a:r>
-              <a:rPr lang="en-US" dirty="0" smtClean="0"/>
-              <a:t>ocation </a:t>
+              <a:t>What location </a:t>
             </a:r>
             <a:r>
               <a:rPr lang="en-US" dirty="0"/>
@@ -3896,11 +3891,7 @@
           <a:p>
             <a:r>
               <a:rPr lang="en-US" dirty="0" smtClean="0"/>
-              <a:t>How can Jenkins know about a new commit in the repository </a:t>
-            </a:r>
-            <a:r>
-              <a:rPr lang="en-US" dirty="0" smtClean="0"/>
-              <a:t>(</a:t>
+              <a:t>How can Jenkins know about a new commit in the repository (</a:t>
             </a:r>
             <a:r>
               <a:rPr lang="en-US" dirty="0" err="1" smtClean="0"/>
@@ -3908,37 +3899,20 @@
             </a:r>
             <a:r>
               <a:rPr lang="en-US" dirty="0" smtClean="0"/>
-              <a:t> or </a:t>
-            </a:r>
+              <a:t> or pull paths)?</a:t>
+            </a:r>
+          </a:p>
+          <a:p>
             <a:r>
               <a:rPr lang="en-US" dirty="0" smtClean="0"/>
-              <a:t>pull paths)?</a:t>
+              <a:t>I need a reproducible and fast creation of infrastructure  with backup.</a:t>
             </a:r>
           </a:p>
           <a:p>
             <a:r>
               <a:rPr lang="en-US" dirty="0" smtClean="0"/>
-              <a:t>I need a reproducible and fast </a:t>
-            </a:r>
-            <a:r>
-              <a:rPr lang="en-US" dirty="0" smtClean="0"/>
-              <a:t>creation of infrastructure  </a:t>
-            </a:r>
-            <a:r>
-              <a:rPr lang="en-US" dirty="0" smtClean="0"/>
-              <a:t>with backup.</a:t>
-            </a:r>
-          </a:p>
-          <a:p>
-            <a:r>
-              <a:rPr lang="en-US" dirty="0" smtClean="0"/>
-              <a:t>I need to </a:t>
-            </a:r>
-            <a:r>
-              <a:rPr lang="en-US" dirty="0" smtClean="0"/>
-              <a:t>be notified about the state of the pipeline.</a:t>
-            </a:r>
-            <a:endParaRPr lang="en-US" dirty="0" smtClean="0"/>
+              <a:t>I need to be notified about the state of the pipeline.</a:t>
+            </a:r>
           </a:p>
           <a:p>
             <a:r>
@@ -4363,6 +4337,58 @@
           </a:p>
         </p:txBody>
       </p:sp>
+      <p:pic>
+        <p:nvPicPr>
+          <p:cNvPr id="4" name="Picture 2"/>
+          <p:cNvPicPr>
+            <a:picLocks noChangeAspect="1" noChangeArrowheads="1"/>
+          </p:cNvPicPr>
+          <p:nvPr/>
+        </p:nvPicPr>
+        <p:blipFill rotWithShape="1">
+          <a:blip r:embed="rId2">
+            <a:extLst>
+              <a:ext uri="{28A0092B-C50C-407E-A947-70E740481C1C}">
+                <a14:useLocalDpi xmlns:a14="http://schemas.microsoft.com/office/drawing/2010/main" val="0"/>
+              </a:ext>
+            </a:extLst>
+          </a:blip>
+          <a:srcRect r="42106" b="33311"/>
+          <a:stretch/>
+        </p:blipFill>
+        <p:spPr bwMode="auto">
+          <a:xfrm>
+            <a:off x="1043608" y="3946658"/>
+            <a:ext cx="7200800" cy="2911342"/>
+          </a:xfrm>
+          <a:prstGeom prst="rect">
+            <a:avLst/>
+          </a:prstGeom>
+          <a:noFill/>
+          <a:ln>
+            <a:noFill/>
+          </a:ln>
+          <a:extLst>
+            <a:ext uri="{909E8E84-426E-40DD-AFC4-6F175D3DCCD1}">
+              <a14:hiddenFill xmlns:a14="http://schemas.microsoft.com/office/drawing/2010/main">
+                <a:solidFill>
+                  <a:schemeClr val="accent1"/>
+                </a:solidFill>
+              </a14:hiddenFill>
+            </a:ext>
+            <a:ext uri="{91240B29-F687-4F45-9708-019B960494DF}">
+              <a14:hiddenLine xmlns:a14="http://schemas.microsoft.com/office/drawing/2010/main" w="9525">
+                <a:solidFill>
+                  <a:schemeClr val="tx1"/>
+                </a:solidFill>
+                <a:miter lim="800000"/>
+                <a:headEnd/>
+                <a:tailEnd/>
+              </a14:hiddenLine>
+            </a:ext>
+          </a:extLst>
+        </p:spPr>
+      </p:pic>
       <p:sp>
         <p:nvSpPr>
           <p:cNvPr id="3" name="Объект 2"/>
@@ -4379,34 +4405,59 @@
           <a:lstStyle/>
           <a:p>
             <a:r>
-              <a:rPr lang="en-US" dirty="0"/>
+              <a:rPr lang="en-US" sz="2000" dirty="0"/>
               <a:t>The developer pushes the code to </a:t>
             </a:r>
             <a:r>
-              <a:rPr lang="en-US" dirty="0" err="1"/>
+              <a:rPr lang="en-US" sz="2000" dirty="0" err="1"/>
               <a:t>Git</a:t>
             </a:r>
             <a:r>
-              <a:rPr lang="en-US" dirty="0"/>
+              <a:rPr lang="en-US" sz="2000" dirty="0"/>
               <a:t> HUB.</a:t>
             </a:r>
           </a:p>
           <a:p>
             <a:r>
-              <a:rPr lang="en-US" dirty="0"/>
-              <a:t>Jenkins job sends a request to GIT HUB 1 time per minute. When it sees the changes in the repository, the pipeline will start.</a:t>
-            </a:r>
-          </a:p>
-          <a:p>
-            <a:r>
-              <a:rPr lang="en-US" dirty="0"/>
+              <a:rPr lang="en-US" sz="2000" dirty="0"/>
+              <a:t>Jenkins job sends a request to GIT HUB 1 time per minute. When </a:t>
+            </a:r>
+            <a:r>
+              <a:rPr lang="en-US" sz="2000" dirty="0" smtClean="0"/>
+              <a:t>he</a:t>
+            </a:r>
+            <a:r>
+              <a:rPr lang="en-US" sz="2000" dirty="0" smtClean="0"/>
+              <a:t> </a:t>
+            </a:r>
+            <a:r>
+              <a:rPr lang="en-US" sz="2000" dirty="0"/>
+              <a:t>sees the changes in the repository, the pipeline </a:t>
+            </a:r>
+            <a:r>
+              <a:rPr lang="en-US" sz="2000" dirty="0" smtClean="0"/>
+              <a:t>starts.</a:t>
+            </a:r>
+            <a:endParaRPr lang="en-US" sz="2000" dirty="0"/>
+          </a:p>
+          <a:p>
+            <a:r>
+              <a:rPr lang="en-US" sz="2000" dirty="0"/>
               <a:t>The job starts a Docker container with Maven that builds and tests the project.</a:t>
             </a:r>
           </a:p>
           <a:p>
             <a:r>
-              <a:rPr lang="en-US" dirty="0"/>
-              <a:t>The result of the CI process is ARTIFACT.</a:t>
+              <a:rPr lang="en-US" sz="2000" dirty="0"/>
+              <a:t>The result of the CI process is </a:t>
+            </a:r>
+            <a:r>
+              <a:rPr lang="en-US" sz="2000" dirty="0" smtClean="0"/>
+              <a:t>ARTIFACT (in current case this is jar file)</a:t>
+            </a:r>
+            <a:r>
+              <a:rPr lang="en-US" dirty="0" smtClean="0"/>
+              <a:t>.</a:t>
             </a:r>
             <a:endParaRPr lang="ru-RU" dirty="0"/>
           </a:p>
@@ -4492,37 +4543,133 @@
         </p:nvSpPr>
         <p:spPr/>
         <p:txBody>
-          <a:bodyPr/>
-          <a:lstStyle/>
-          <a:p>
-            <a:r>
-              <a:rPr lang="en-US" dirty="0"/>
-              <a:t>In the current pipeline, delivery starts with building the </a:t>
-            </a:r>
-            <a:r>
-              <a:rPr lang="en-US" dirty="0" err="1"/>
+          <a:bodyPr>
+            <a:normAutofit/>
+          </a:bodyPr>
+          <a:lstStyle/>
+          <a:p>
+            <a:r>
+              <a:rPr lang="en-US" sz="2400" dirty="0"/>
+              <a:t>In the current pipeline, delivery starts with building </a:t>
+            </a:r>
+            <a:r>
+              <a:rPr lang="en-US" sz="2400" dirty="0"/>
+              <a:t> </a:t>
+            </a:r>
+            <a:r>
+              <a:rPr lang="en-US" sz="2400" dirty="0" smtClean="0"/>
+              <a:t>a</a:t>
+            </a:r>
+            <a:r>
+              <a:rPr lang="en-US" sz="2400" dirty="0" smtClean="0"/>
+              <a:t> </a:t>
+            </a:r>
+            <a:r>
+              <a:rPr lang="en-US" sz="2400" dirty="0" err="1"/>
               <a:t>docker</a:t>
             </a:r>
             <a:r>
-              <a:rPr lang="en-US" dirty="0"/>
-              <a:t> image.</a:t>
-            </a:r>
-          </a:p>
-          <a:p>
-            <a:r>
-              <a:rPr lang="en-US" dirty="0"/>
-              <a:t>When the image is ready, it is sent to Docker Hub.</a:t>
-            </a:r>
-          </a:p>
-          <a:p>
-            <a:r>
-              <a:rPr lang="en-US" dirty="0"/>
-              <a:t>From Docker Hub, the image can be pushed to the QA environment, to the stage/production server.</a:t>
-            </a:r>
-            <a:endParaRPr lang="ru-RU" dirty="0"/>
-          </a:p>
-        </p:txBody>
-      </p:sp>
+              <a:rPr lang="en-US" sz="2400" dirty="0"/>
+              <a:t> </a:t>
+            </a:r>
+            <a:r>
+              <a:rPr lang="en-US" sz="2400" dirty="0" smtClean="0"/>
+              <a:t>image which has artifact inside.</a:t>
+            </a:r>
+            <a:endParaRPr lang="en-US" sz="2400" dirty="0"/>
+          </a:p>
+          <a:p>
+            <a:r>
+              <a:rPr lang="en-US" sz="2400" dirty="0"/>
+              <a:t>When the image is </a:t>
+            </a:r>
+            <a:r>
+              <a:rPr lang="en-US" sz="2400" dirty="0" smtClean="0"/>
+              <a:t>done</a:t>
+            </a:r>
+            <a:r>
+              <a:rPr lang="en-US" sz="2400" dirty="0" smtClean="0"/>
+              <a:t>, </a:t>
+            </a:r>
+            <a:r>
+              <a:rPr lang="en-US" sz="2400" dirty="0"/>
+              <a:t>it is sent to </a:t>
+            </a:r>
+            <a:r>
+              <a:rPr lang="en-US" sz="2400" dirty="0" smtClean="0"/>
+              <a:t>the Docker Hub rep.</a:t>
+            </a:r>
+            <a:endParaRPr lang="en-US" sz="2400" dirty="0"/>
+          </a:p>
+          <a:p>
+            <a:r>
+              <a:rPr lang="en-US" sz="2400" dirty="0"/>
+              <a:t>From Docker Hub, the image can be pushed to </a:t>
+            </a:r>
+            <a:r>
+              <a:rPr lang="en-US" sz="2400" dirty="0" smtClean="0"/>
+              <a:t>the Test environment, QA </a:t>
+            </a:r>
+            <a:r>
+              <a:rPr lang="en-US" sz="2400" dirty="0"/>
+              <a:t>environment, to the stage/production server.</a:t>
+            </a:r>
+            <a:endParaRPr lang="ru-RU" sz="2400" dirty="0"/>
+          </a:p>
+        </p:txBody>
+      </p:sp>
+      <p:pic>
+        <p:nvPicPr>
+          <p:cNvPr id="4" name="Picture 2"/>
+          <p:cNvPicPr>
+            <a:picLocks noChangeAspect="1" noChangeArrowheads="1"/>
+          </p:cNvPicPr>
+          <p:nvPr/>
+        </p:nvPicPr>
+        <p:blipFill rotWithShape="1">
+          <a:blip r:embed="rId2">
+            <a:extLst>
+              <a:ext uri="{28A0092B-C50C-407E-A947-70E740481C1C}">
+                <a14:useLocalDpi xmlns:a14="http://schemas.microsoft.com/office/drawing/2010/main" val="0"/>
+              </a:ext>
+            </a:extLst>
+          </a:blip>
+          <a:srcRect l="47893" t="7914" r="10614" b="33771"/>
+          <a:stretch/>
+        </p:blipFill>
+        <p:spPr bwMode="auto">
+          <a:xfrm>
+            <a:off x="2763981" y="3645024"/>
+            <a:ext cx="4253345" cy="3006437"/>
+          </a:xfrm>
+          <a:prstGeom prst="rect">
+            <a:avLst/>
+          </a:prstGeom>
+          <a:noFill/>
+          <a:ln>
+            <a:noFill/>
+          </a:ln>
+          <a:extLst>
+            <a:ext uri="{909E8E84-426E-40DD-AFC4-6F175D3DCCD1}">
+              <a14:hiddenFill xmlns:a14="http://schemas.microsoft.com/office/drawing/2010/main">
+                <a:solidFill>
+                  <a:schemeClr val="accent1"/>
+                </a:solidFill>
+              </a14:hiddenFill>
+            </a:ext>
+            <a:ext uri="{91240B29-F687-4F45-9708-019B960494DF}">
+              <a14:hiddenLine xmlns:a14="http://schemas.microsoft.com/office/drawing/2010/main" w="9525">
+                <a:solidFill>
+                  <a:schemeClr val="tx1"/>
+                </a:solidFill>
+                <a:miter lim="800000"/>
+                <a:headEnd/>
+                <a:tailEnd/>
+              </a14:hiddenLine>
+            </a:ext>
+          </a:extLst>
+        </p:spPr>
+      </p:pic>
     </p:spTree>
     <p:extLst>
       <p:ext uri="{BB962C8B-B14F-4D97-AF65-F5344CB8AC3E}">
@@ -4533,6 +4680,13 @@
   <p:clrMapOvr>
     <a:masterClrMapping/>
   </p:clrMapOvr>
+  <p:timing>
+    <p:tnLst>
+      <p:par>
+        <p:cTn id="1" dur="indefinite" restart="never" nodeType="tmRoot"/>
+      </p:par>
+    </p:tnLst>
+  </p:timing>
 </p:sld>
 </file>
 
@@ -4870,6 +5024,13 @@
   <p:clrMapOvr>
     <a:masterClrMapping/>
   </p:clrMapOvr>
+  <p:timing>
+    <p:tnLst>
+      <p:par>
+        <p:cTn id="1" dur="indefinite" restart="never" nodeType="tmRoot"/>
+      </p:par>
+    </p:tnLst>
+  </p:timing>
 </p:sld>
 </file>
 
